--- a/Lesson_Slides/Lab1_KVL_KCL.pptx
+++ b/Lesson_Slides/Lab1_KVL_KCL.pptx
@@ -5,23 +5,22 @@
     <p:sldMasterId id="2147483678" r:id="rId4"/>
   </p:sldMasterIdLst>
   <p:notesMasterIdLst>
-    <p:notesMasterId r:id="rId19"/>
+    <p:notesMasterId r:id="rId18"/>
   </p:notesMasterIdLst>
   <p:sldIdLst>
     <p:sldId id="269" r:id="rId5"/>
-    <p:sldId id="270" r:id="rId6"/>
-    <p:sldId id="271" r:id="rId7"/>
-    <p:sldId id="272" r:id="rId8"/>
-    <p:sldId id="260" r:id="rId9"/>
-    <p:sldId id="261" r:id="rId10"/>
-    <p:sldId id="262" r:id="rId11"/>
-    <p:sldId id="264" r:id="rId12"/>
-    <p:sldId id="265" r:id="rId13"/>
-    <p:sldId id="273" r:id="rId14"/>
-    <p:sldId id="263" r:id="rId15"/>
-    <p:sldId id="266" r:id="rId16"/>
-    <p:sldId id="267" r:id="rId17"/>
-    <p:sldId id="268" r:id="rId18"/>
+    <p:sldId id="271" r:id="rId6"/>
+    <p:sldId id="272" r:id="rId7"/>
+    <p:sldId id="260" r:id="rId8"/>
+    <p:sldId id="261" r:id="rId9"/>
+    <p:sldId id="262" r:id="rId10"/>
+    <p:sldId id="264" r:id="rId11"/>
+    <p:sldId id="265" r:id="rId12"/>
+    <p:sldId id="273" r:id="rId13"/>
+    <p:sldId id="263" r:id="rId14"/>
+    <p:sldId id="266" r:id="rId15"/>
+    <p:sldId id="267" r:id="rId16"/>
+    <p:sldId id="268" r:id="rId17"/>
   </p:sldIdLst>
   <p:sldSz cx="12192000" cy="6858000"/>
   <p:notesSz cx="6858000" cy="9144000"/>
@@ -794,7 +793,7 @@
           <a:p>
             <a:fld id="{D79804DB-00EE-4D22-85E0-499CA8ED6C60}" type="datetimeFigureOut">
               <a:rPr lang="en-US" smtClean="0"/>
-              <a:t>5/6/2025</a:t>
+              <a:t>5/8/2025</a:t>
             </a:fld>
             <a:endParaRPr lang="en-US"/>
           </a:p>
@@ -1137,7 +1136,7 @@
           <a:p>
             <a:fld id="{4A3C25B7-AA9E-4B3B-BDB1-460E98986682}" type="slidenum">
               <a:rPr lang="en-US" smtClean="0"/>
-              <a:t>11</a:t>
+              <a:t>10</a:t>
             </a:fld>
             <a:endParaRPr lang="en-US"/>
           </a:p>
@@ -1221,7 +1220,7 @@
           <a:p>
             <a:fld id="{4A3C25B7-AA9E-4B3B-BDB1-460E98986682}" type="slidenum">
               <a:rPr lang="en-US" smtClean="0"/>
-              <a:t>14</a:t>
+              <a:t>13</a:t>
             </a:fld>
             <a:endParaRPr lang="en-US"/>
           </a:p>
@@ -1395,7 +1394,7 @@
           <a:p>
             <a:fld id="{D86259FA-D58C-4EAF-81FD-A4F4EE10E429}" type="datetimeFigureOut">
               <a:rPr lang="en-US" smtClean="0"/>
-              <a:t>5/6/2025</a:t>
+              <a:t>5/8/2025</a:t>
             </a:fld>
             <a:endParaRPr lang="en-US"/>
           </a:p>
@@ -1622,7 +1621,7 @@
           <a:p>
             <a:fld id="{D86259FA-D58C-4EAF-81FD-A4F4EE10E429}" type="datetimeFigureOut">
               <a:rPr lang="en-US" smtClean="0"/>
-              <a:t>5/6/2025</a:t>
+              <a:t>5/8/2025</a:t>
             </a:fld>
             <a:endParaRPr lang="en-US"/>
           </a:p>
@@ -1854,7 +1853,7 @@
           <a:p>
             <a:fld id="{D86259FA-D58C-4EAF-81FD-A4F4EE10E429}" type="datetimeFigureOut">
               <a:rPr lang="en-US" smtClean="0"/>
-              <a:t>5/6/2025</a:t>
+              <a:t>5/8/2025</a:t>
             </a:fld>
             <a:endParaRPr lang="en-US"/>
           </a:p>
@@ -2076,7 +2075,7 @@
           <a:p>
             <a:fld id="{D86259FA-D58C-4EAF-81FD-A4F4EE10E429}" type="datetimeFigureOut">
               <a:rPr lang="en-US" smtClean="0"/>
-              <a:t>5/6/2025</a:t>
+              <a:t>5/8/2025</a:t>
             </a:fld>
             <a:endParaRPr lang="en-US"/>
           </a:p>
@@ -2375,7 +2374,7 @@
           <a:p>
             <a:fld id="{D86259FA-D58C-4EAF-81FD-A4F4EE10E429}" type="datetimeFigureOut">
               <a:rPr lang="en-US" smtClean="0"/>
-              <a:t>5/6/2025</a:t>
+              <a:t>5/8/2025</a:t>
             </a:fld>
             <a:endParaRPr lang="en-US"/>
           </a:p>
@@ -2669,7 +2668,7 @@
           <a:p>
             <a:fld id="{D86259FA-D58C-4EAF-81FD-A4F4EE10E429}" type="datetimeFigureOut">
               <a:rPr lang="en-US" smtClean="0"/>
-              <a:t>5/6/2025</a:t>
+              <a:t>5/8/2025</a:t>
             </a:fld>
             <a:endParaRPr lang="en-US"/>
           </a:p>
@@ -3105,7 +3104,7 @@
           <a:p>
             <a:fld id="{D86259FA-D58C-4EAF-81FD-A4F4EE10E429}" type="datetimeFigureOut">
               <a:rPr lang="en-US" smtClean="0"/>
-              <a:t>5/6/2025</a:t>
+              <a:t>5/8/2025</a:t>
             </a:fld>
             <a:endParaRPr lang="en-US"/>
           </a:p>
@@ -3270,7 +3269,7 @@
           <a:p>
             <a:fld id="{D86259FA-D58C-4EAF-81FD-A4F4EE10E429}" type="datetimeFigureOut">
               <a:rPr lang="en-US" smtClean="0"/>
-              <a:t>5/6/2025</a:t>
+              <a:t>5/8/2025</a:t>
             </a:fld>
             <a:endParaRPr lang="en-US"/>
           </a:p>
@@ -3407,7 +3406,7 @@
           <a:p>
             <a:fld id="{D86259FA-D58C-4EAF-81FD-A4F4EE10E429}" type="datetimeFigureOut">
               <a:rPr lang="en-US" smtClean="0"/>
-              <a:t>5/6/2025</a:t>
+              <a:t>5/8/2025</a:t>
             </a:fld>
             <a:endParaRPr lang="en-US"/>
           </a:p>
@@ -3747,7 +3746,7 @@
           <a:p>
             <a:fld id="{D86259FA-D58C-4EAF-81FD-A4F4EE10E429}" type="datetimeFigureOut">
               <a:rPr lang="en-US" smtClean="0"/>
-              <a:t>5/6/2025</a:t>
+              <a:t>5/8/2025</a:t>
             </a:fld>
             <a:endParaRPr lang="en-US"/>
           </a:p>
@@ -4059,7 +4058,7 @@
           <a:p>
             <a:fld id="{D86259FA-D58C-4EAF-81FD-A4F4EE10E429}" type="datetimeFigureOut">
               <a:rPr lang="en-US" smtClean="0"/>
-              <a:t>5/6/2025</a:t>
+              <a:t>5/8/2025</a:t>
             </a:fld>
             <a:endParaRPr lang="en-US"/>
           </a:p>
@@ -4722,14 +4721,6 @@
 <file path=ppt/slides/slide10.xml><?xml version="1.0" encoding="utf-8"?>
 <p:sld xmlns:a="http://schemas.openxmlformats.org/drawingml/2006/main" xmlns:r="http://schemas.openxmlformats.org/officeDocument/2006/relationships" xmlns:p="http://schemas.openxmlformats.org/presentationml/2006/main">
   <p:cSld>
-    <p:bg>
-      <p:bgPr>
-        <a:solidFill>
-          <a:schemeClr val="bg1"/>
-        </a:solidFill>
-        <a:effectLst/>
-      </p:bgPr>
-    </p:bg>
     <p:spTree>
       <p:nvGrpSpPr>
         <p:cNvPr id="1" name=""/>
@@ -4746,76 +4737,10 @@
       </p:grpSpPr>
       <p:sp>
         <p:nvSpPr>
-          <p:cNvPr id="8" name="Down Arrow 7">
-            <a:extLst>
-              <a:ext uri="{FF2B5EF4-FFF2-40B4-BE49-F238E27FC236}">
-                <a16:creationId xmlns:a16="http://schemas.microsoft.com/office/drawing/2014/main" id="{D4771268-CB57-404A-9271-370EB28F6090}"/>
-              </a:ext>
-              <a:ext uri="{C183D7F6-B498-43B3-948B-1728B52AA6E4}">
-                <adec:decorative xmlns:adec="http://schemas.microsoft.com/office/drawing/2017/decorative" val="1"/>
-              </a:ext>
-            </a:extLst>
-          </p:cNvPr>
-          <p:cNvSpPr>
-            <a:spLocks noGrp="1" noRot="1" noChangeAspect="1" noMove="1" noResize="1" noEditPoints="1" noAdjustHandles="1" noChangeArrowheads="1" noChangeShapeType="1" noTextEdit="1"/>
-          </p:cNvSpPr>
-          <p:nvPr>
-            <p:extLst>
-              <p:ext uri="{386F3935-93C4-4BCD-93E2-E3B085C9AB24}">
-                <p16:designElem xmlns:p16="http://schemas.microsoft.com/office/powerpoint/2015/main" val="1"/>
-              </p:ext>
-            </p:extLst>
-          </p:nvPr>
-        </p:nvSpPr>
-        <p:spPr>
-          <a:xfrm rot="16200000">
-            <a:off x="800100" y="1491343"/>
-            <a:ext cx="3333749" cy="3499103"/>
-          </a:xfrm>
-          <a:prstGeom prst="downArrow">
-            <a:avLst>
-              <a:gd name="adj1" fmla="val 100000"/>
-              <a:gd name="adj2" fmla="val 15788"/>
-            </a:avLst>
-          </a:prstGeom>
-          <a:solidFill>
-            <a:srgbClr val="404040"/>
-          </a:solidFill>
-          <a:ln w="53975">
-            <a:noFill/>
-          </a:ln>
-        </p:spPr>
-        <p:style>
-          <a:lnRef idx="2">
-            <a:schemeClr val="accent1">
-              <a:shade val="50000"/>
-            </a:schemeClr>
-          </a:lnRef>
-          <a:fillRef idx="1">
-            <a:schemeClr val="accent1"/>
-          </a:fillRef>
-          <a:effectRef idx="0">
-            <a:schemeClr val="accent1"/>
-          </a:effectRef>
-          <a:fontRef idx="minor">
-            <a:schemeClr val="lt1"/>
-          </a:fontRef>
-        </p:style>
-        <p:txBody>
-          <a:bodyPr rtlCol="0" anchor="ctr"/>
-          <a:lstStyle/>
-          <a:p>
-            <a:pPr algn="ctr"/>
-            <a:endParaRPr lang="en-US"/>
-          </a:p>
-        </p:txBody>
-      </p:sp>
-      <p:sp>
-        <p:nvSpPr>
           <p:cNvPr id="2" name="Title 1">
             <a:extLst>
               <a:ext uri="{FF2B5EF4-FFF2-40B4-BE49-F238E27FC236}">
-                <a16:creationId xmlns:a16="http://schemas.microsoft.com/office/drawing/2014/main" id="{10E2635C-4C55-1896-2D33-A3624783423F}"/>
+                <a16:creationId xmlns:a16="http://schemas.microsoft.com/office/drawing/2014/main" id="{829C2E6F-79A9-4DF7-A6D1-476C29E7A43B}"/>
               </a:ext>
             </a:extLst>
           </p:cNvPr>
@@ -4826,39 +4751,26 @@
             <p:ph type="title"/>
           </p:nvPr>
         </p:nvSpPr>
-        <p:spPr>
-          <a:xfrm>
-            <a:off x="1028700" y="1967266"/>
-            <a:ext cx="2628900" cy="2547257"/>
-          </a:xfrm>
-          <a:noFill/>
-        </p:spPr>
-        <p:txBody>
-          <a:bodyPr anchor="ctr">
-            <a:normAutofit/>
+        <p:spPr/>
+        <p:txBody>
+          <a:bodyPr>
+            <a:normAutofit fontScale="90000"/>
           </a:bodyPr>
           <a:lstStyle/>
           <a:p>
-            <a:pPr algn="ctr"/>
-            <a:r>
-              <a:rPr lang="en-US" sz="3300" dirty="0">
-                <a:solidFill>
-                  <a:srgbClr val="FFFFFF"/>
-                </a:solidFill>
-                <a:ea typeface="Calibri Light"/>
-                <a:cs typeface="Calibri Light"/>
-              </a:rPr>
-              <a:t>Grab components!!</a:t>
+            <a:r>
+              <a:rPr lang="en-US" dirty="0"/>
+              <a:t>Activity 1:  Voltage Divider Circuit </a:t>
             </a:r>
           </a:p>
         </p:txBody>
       </p:sp>
       <p:pic>
         <p:nvPicPr>
-          <p:cNvPr id="3" name="Picture 2" descr="A white sheet with black text and black dots&#10;&#10;AI-generated content may be incorrect.">
-            <a:extLst>
-              <a:ext uri="{FF2B5EF4-FFF2-40B4-BE49-F238E27FC236}">
-                <a16:creationId xmlns:a16="http://schemas.microsoft.com/office/drawing/2014/main" id="{C04A6673-5DF4-82E2-9EB5-ADAF451A9E0D}"/>
+          <p:cNvPr id="4" name="Picture 3">
+            <a:extLst>
+              <a:ext uri="{FF2B5EF4-FFF2-40B4-BE49-F238E27FC236}">
+                <a16:creationId xmlns:a16="http://schemas.microsoft.com/office/drawing/2014/main" id="{487E863F-E0D8-440D-8344-53846F903F95}"/>
               </a:ext>
             </a:extLst>
           </p:cNvPr>
@@ -4868,24 +4780,105 @@
           <p:nvPr/>
         </p:nvPicPr>
         <p:blipFill>
-          <a:blip r:embed="rId2"/>
-          <a:srcRect b="1762"/>
-          <a:stretch/>
+          <a:blip r:embed="rId3"/>
+          <a:stretch>
+            <a:fillRect/>
+          </a:stretch>
         </p:blipFill>
         <p:spPr>
           <a:xfrm>
-            <a:off x="6681658" y="1351037"/>
-            <a:ext cx="3853759" cy="4861062"/>
+            <a:off x="1141413" y="2305633"/>
+            <a:ext cx="5391150" cy="3105150"/>
           </a:xfrm>
           <a:prstGeom prst="rect">
             <a:avLst/>
           </a:prstGeom>
         </p:spPr>
       </p:pic>
+      <p:sp>
+        <p:nvSpPr>
+          <p:cNvPr id="5" name="TextBox 4">
+            <a:extLst>
+              <a:ext uri="{FF2B5EF4-FFF2-40B4-BE49-F238E27FC236}">
+                <a16:creationId xmlns:a16="http://schemas.microsoft.com/office/drawing/2014/main" id="{FE425780-5FA1-45B5-9639-61B044CAEE9F}"/>
+              </a:ext>
+            </a:extLst>
+          </p:cNvPr>
+          <p:cNvSpPr txBox="1"/>
+          <p:nvPr/>
+        </p:nvSpPr>
+        <p:spPr>
+          <a:xfrm>
+            <a:off x="6856896" y="2499445"/>
+            <a:ext cx="4399280" cy="2585323"/>
+          </a:xfrm>
+          <a:prstGeom prst="rect">
+            <a:avLst/>
+          </a:prstGeom>
+          <a:noFill/>
+        </p:spPr>
+        <p:txBody>
+          <a:bodyPr wrap="square" rtlCol="0">
+            <a:spAutoFit/>
+          </a:bodyPr>
+          <a:lstStyle/>
+          <a:p>
+            <a:r>
+              <a:rPr lang="en-US" dirty="0"/>
+              <a:t>To demonstrate KVL measure and record the voltage drop across each resistor and show that the sum of all voltages in loop are zero.</a:t>
+            </a:r>
+          </a:p>
+          <a:p>
+            <a:endParaRPr lang="en-US" dirty="0"/>
+          </a:p>
+          <a:p>
+            <a:endParaRPr lang="en-US" dirty="0"/>
+          </a:p>
+          <a:p>
+            <a:r>
+              <a:rPr lang="en-US" dirty="0"/>
+              <a:t>Hint: When adding the voltages up the signs can be tricky so it should fallow this equation</a:t>
+            </a:r>
+          </a:p>
+          <a:p>
+            <a:endParaRPr lang="en-US" dirty="0"/>
+          </a:p>
+          <a:p>
+            <a:r>
+              <a:rPr lang="en-US" dirty="0"/>
+              <a:t>                9V – (V</a:t>
+            </a:r>
+            <a:r>
+              <a:rPr lang="en-US" sz="1200" dirty="0"/>
+              <a:t>R1</a:t>
+            </a:r>
+            <a:r>
+              <a:rPr lang="en-US" dirty="0"/>
+              <a:t> + V</a:t>
+            </a:r>
+            <a:r>
+              <a:rPr lang="en-US" sz="1200" dirty="0"/>
+              <a:t>R2 </a:t>
+            </a:r>
+            <a:r>
+              <a:rPr lang="en-US" dirty="0"/>
+              <a:t>+ V</a:t>
+            </a:r>
+            <a:r>
+              <a:rPr lang="en-US" sz="1200" dirty="0"/>
+              <a:t>R3</a:t>
+            </a:r>
+            <a:r>
+              <a:rPr lang="en-US" dirty="0"/>
+              <a:t>)=0</a:t>
+            </a:r>
+          </a:p>
+        </p:txBody>
+      </p:sp>
     </p:spTree>
     <p:extLst>
       <p:ext uri="{BB962C8B-B14F-4D97-AF65-F5344CB8AC3E}">
-        <p14:creationId xmlns:p14="http://schemas.microsoft.com/office/powerpoint/2010/main" val="1978526775"/>
+        <p14:creationId xmlns:p14="http://schemas.microsoft.com/office/powerpoint/2010/main" val="3275478266"/>
       </p:ext>
     </p:extLst>
   </p:cSld>
@@ -4912,42 +4905,12 @@
           <a:chExt cx="0" cy="0"/>
         </a:xfrm>
       </p:grpSpPr>
-      <p:sp>
-        <p:nvSpPr>
-          <p:cNvPr id="2" name="Title 1">
-            <a:extLst>
-              <a:ext uri="{FF2B5EF4-FFF2-40B4-BE49-F238E27FC236}">
-                <a16:creationId xmlns:a16="http://schemas.microsoft.com/office/drawing/2014/main" id="{829C2E6F-79A9-4DF7-A6D1-476C29E7A43B}"/>
-              </a:ext>
-            </a:extLst>
-          </p:cNvPr>
-          <p:cNvSpPr>
-            <a:spLocks noGrp="1"/>
-          </p:cNvSpPr>
-          <p:nvPr>
-            <p:ph type="title"/>
-          </p:nvPr>
-        </p:nvSpPr>
-        <p:spPr/>
-        <p:txBody>
-          <a:bodyPr>
-            <a:normAutofit fontScale="90000"/>
-          </a:bodyPr>
-          <a:lstStyle/>
-          <a:p>
-            <a:r>
-              <a:rPr lang="en-US" dirty="0"/>
-              <a:t>Activity 1:  Voltage Divider Circuit </a:t>
-            </a:r>
-          </a:p>
-        </p:txBody>
-      </p:sp>
       <p:pic>
         <p:nvPicPr>
-          <p:cNvPr id="4" name="Picture 3">
-            <a:extLst>
-              <a:ext uri="{FF2B5EF4-FFF2-40B4-BE49-F238E27FC236}">
-                <a16:creationId xmlns:a16="http://schemas.microsoft.com/office/drawing/2014/main" id="{487E863F-E0D8-440D-8344-53846F903F95}"/>
+          <p:cNvPr id="12" name="Picture 11" descr="A diagram of a circuit&#10;&#10;AI-generated content may be incorrect.">
+            <a:extLst>
+              <a:ext uri="{FF2B5EF4-FFF2-40B4-BE49-F238E27FC236}">
+                <a16:creationId xmlns:a16="http://schemas.microsoft.com/office/drawing/2014/main" id="{B2A7FC94-9412-AD9D-E686-8C51E878D1AE}"/>
               </a:ext>
             </a:extLst>
           </p:cNvPr>
@@ -4957,15 +4920,15 @@
           <p:nvPr/>
         </p:nvPicPr>
         <p:blipFill>
-          <a:blip r:embed="rId3"/>
+          <a:blip r:embed="rId2"/>
           <a:stretch>
             <a:fillRect/>
           </a:stretch>
         </p:blipFill>
         <p:spPr>
           <a:xfrm>
-            <a:off x="1141413" y="2305633"/>
-            <a:ext cx="5391150" cy="3105150"/>
+            <a:off x="268300" y="2603601"/>
+            <a:ext cx="6044781" cy="2770698"/>
           </a:xfrm>
           <a:prstGeom prst="rect">
             <a:avLst/>
@@ -4974,10 +4937,40 @@
       </p:pic>
       <p:sp>
         <p:nvSpPr>
-          <p:cNvPr id="5" name="TextBox 4">
-            <a:extLst>
-              <a:ext uri="{FF2B5EF4-FFF2-40B4-BE49-F238E27FC236}">
-                <a16:creationId xmlns:a16="http://schemas.microsoft.com/office/drawing/2014/main" id="{FE425780-5FA1-45B5-9639-61B044CAEE9F}"/>
+          <p:cNvPr id="2" name="Title 1">
+            <a:extLst>
+              <a:ext uri="{FF2B5EF4-FFF2-40B4-BE49-F238E27FC236}">
+                <a16:creationId xmlns:a16="http://schemas.microsoft.com/office/drawing/2014/main" id="{8AEE8839-F0D7-4F10-B0DF-708AB24CD541}"/>
+              </a:ext>
+            </a:extLst>
+          </p:cNvPr>
+          <p:cNvSpPr>
+            <a:spLocks noGrp="1"/>
+          </p:cNvSpPr>
+          <p:nvPr>
+            <p:ph type="title"/>
+          </p:nvPr>
+        </p:nvSpPr>
+        <p:spPr/>
+        <p:txBody>
+          <a:bodyPr>
+            <a:normAutofit fontScale="90000"/>
+          </a:bodyPr>
+          <a:lstStyle/>
+          <a:p>
+            <a:r>
+              <a:rPr lang="en-US" dirty="0"/>
+              <a:t>Activity 2:  Current divider circuit</a:t>
+            </a:r>
+          </a:p>
+        </p:txBody>
+      </p:sp>
+      <p:sp>
+        <p:nvSpPr>
+          <p:cNvPr id="8" name="TextBox 7">
+            <a:extLst>
+              <a:ext uri="{FF2B5EF4-FFF2-40B4-BE49-F238E27FC236}">
+                <a16:creationId xmlns:a16="http://schemas.microsoft.com/office/drawing/2014/main" id="{24E0D476-0EF1-482D-816A-C9DA1EA7F4E4}"/>
               </a:ext>
             </a:extLst>
           </p:cNvPr>
@@ -4986,8 +4979,8 @@
         </p:nvSpPr>
         <p:spPr>
           <a:xfrm>
-            <a:off x="6856896" y="2499445"/>
-            <a:ext cx="4399280" cy="2585323"/>
+            <a:off x="6874754" y="2827980"/>
+            <a:ext cx="4077245" cy="2031325"/>
           </a:xfrm>
           <a:prstGeom prst="rect">
             <a:avLst/>
@@ -4995,67 +4988,499 @@
           <a:noFill/>
         </p:spPr>
         <p:txBody>
-          <a:bodyPr wrap="square" rtlCol="0">
+          <a:bodyPr wrap="square" lIns="91440" tIns="45720" rIns="91440" bIns="45720" rtlCol="0" anchor="t">
             <a:spAutoFit/>
           </a:bodyPr>
           <a:lstStyle/>
           <a:p>
-            <a:r>
-              <a:rPr lang="en-US" dirty="0"/>
-              <a:t>To demonstrate KVL measure and record the voltage drop across each resistor and show that the sum of all voltages in loop are zero.</a:t>
-            </a:r>
-          </a:p>
-          <a:p>
-            <a:endParaRPr lang="en-US" dirty="0"/>
-          </a:p>
-          <a:p>
-            <a:endParaRPr lang="en-US" dirty="0"/>
-          </a:p>
-          <a:p>
-            <a:r>
-              <a:rPr lang="en-US" dirty="0"/>
-              <a:t>Hint: When adding the voltages up the signs can be tricky so it should fallow this equation</a:t>
-            </a:r>
-          </a:p>
-          <a:p>
-            <a:endParaRPr lang="en-US" dirty="0"/>
-          </a:p>
-          <a:p>
-            <a:r>
-              <a:rPr lang="en-US" dirty="0"/>
-              <a:t>                9V – (V</a:t>
-            </a:r>
-            <a:r>
-              <a:rPr lang="en-US" sz="1200" dirty="0"/>
-              <a:t>R1</a:t>
-            </a:r>
-            <a:r>
-              <a:rPr lang="en-US" dirty="0"/>
-              <a:t> + V</a:t>
-            </a:r>
-            <a:r>
-              <a:rPr lang="en-US" sz="1200" dirty="0"/>
-              <a:t>R2 </a:t>
-            </a:r>
-            <a:r>
-              <a:rPr lang="en-US" dirty="0"/>
-              <a:t>+ V</a:t>
-            </a:r>
-            <a:r>
-              <a:rPr lang="en-US" sz="1200" dirty="0"/>
-              <a:t>R3</a:t>
-            </a:r>
-            <a:r>
-              <a:rPr lang="en-US" dirty="0"/>
-              <a:t>)=0</a:t>
-            </a:r>
+            <a:pPr marL="342900" indent="-342900">
+              <a:buAutoNum type="arabicParenR"/>
+            </a:pPr>
+            <a:r>
+              <a:rPr lang="en-US" dirty="0">
+                <a:ea typeface="Calibri"/>
+                <a:cs typeface="Calibri"/>
+              </a:rPr>
+              <a:t>Measure incoming (entering) current in your circuit, write it down</a:t>
+            </a:r>
+          </a:p>
+          <a:p>
+            <a:pPr marL="342900" indent="-342900">
+              <a:buAutoNum type="arabicParenR"/>
+            </a:pPr>
+            <a:r>
+              <a:rPr lang="en-US" dirty="0">
+                <a:ea typeface="Calibri"/>
+                <a:cs typeface="Calibri"/>
+              </a:rPr>
+              <a:t>Measure the current through each of the resistors (exiting currents) and add them up. This should equal your measured current in Step 1!!!</a:t>
+            </a:r>
+          </a:p>
+          <a:p>
+            <a:pPr marL="342900" indent="-342900">
+              <a:buAutoNum type="arabicParenR"/>
+            </a:pPr>
+            <a:r>
+              <a:rPr lang="en-US" dirty="0">
+                <a:ea typeface="Calibri"/>
+                <a:cs typeface="Calibri"/>
+              </a:rPr>
+              <a:t>Have a TA verify your results</a:t>
+            </a:r>
+          </a:p>
+        </p:txBody>
+      </p:sp>
+      <p:sp>
+        <p:nvSpPr>
+          <p:cNvPr id="15" name="TextBox 14">
+            <a:extLst>
+              <a:ext uri="{FF2B5EF4-FFF2-40B4-BE49-F238E27FC236}">
+                <a16:creationId xmlns:a16="http://schemas.microsoft.com/office/drawing/2014/main" id="{C30FC995-0D7E-FC02-6F72-A5FEB917B47B}"/>
+              </a:ext>
+            </a:extLst>
+          </p:cNvPr>
+          <p:cNvSpPr txBox="1"/>
+          <p:nvPr/>
+        </p:nvSpPr>
+        <p:spPr>
+          <a:xfrm>
+            <a:off x="550027" y="6490505"/>
+            <a:ext cx="5476240" cy="276999"/>
+          </a:xfrm>
+          <a:prstGeom prst="rect">
+            <a:avLst/>
+          </a:prstGeom>
+          <a:noFill/>
+        </p:spPr>
+        <p:txBody>
+          <a:bodyPr rot="0" spcFirstLastPara="0" vertOverflow="overflow" horzOverflow="overflow" vert="horz" wrap="square" lIns="91440" tIns="45720" rIns="91440" bIns="45720" numCol="1" spcCol="0" rtlCol="0" fromWordArt="0" anchor="t" anchorCtr="0" forceAA="0" compatLnSpc="1">
+            <a:prstTxWarp prst="textNoShape">
+              <a:avLst/>
+            </a:prstTxWarp>
+            <a:spAutoFit/>
+          </a:bodyPr>
+          <a:lstStyle/>
+          <a:p>
+            <a:r>
+              <a:rPr lang="en-US" sz="1200" i="1" dirty="0">
+                <a:solidFill>
+                  <a:srgbClr val="7F7FA4"/>
+                </a:solidFill>
+                <a:ea typeface="Calibri"/>
+                <a:cs typeface="Calibri"/>
+              </a:rPr>
+              <a:t>Created by Jack </a:t>
+            </a:r>
+            <a:r>
+              <a:rPr lang="en-US" sz="1200" i="1" dirty="0" err="1">
+                <a:solidFill>
+                  <a:srgbClr val="7F7FA4"/>
+                </a:solidFill>
+                <a:ea typeface="Calibri"/>
+                <a:cs typeface="Calibri"/>
+              </a:rPr>
+              <a:t>McTasney</a:t>
+            </a:r>
+            <a:r>
+              <a:rPr lang="en-US" sz="1200" i="1" dirty="0">
+                <a:solidFill>
+                  <a:srgbClr val="7F7FA4"/>
+                </a:solidFill>
+                <a:ea typeface="Calibri"/>
+                <a:cs typeface="Calibri"/>
+              </a:rPr>
+              <a:t>, EE-1100 Spring 2024 &amp; 2025 TA</a:t>
+            </a:r>
+          </a:p>
+        </p:txBody>
+      </p:sp>
+      <p:sp>
+        <p:nvSpPr>
+          <p:cNvPr id="5" name="Rectangle 4">
+            <a:extLst>
+              <a:ext uri="{FF2B5EF4-FFF2-40B4-BE49-F238E27FC236}">
+                <a16:creationId xmlns:a16="http://schemas.microsoft.com/office/drawing/2014/main" id="{620A2F80-754A-488D-AC62-9078AB756505}"/>
+              </a:ext>
+            </a:extLst>
+          </p:cNvPr>
+          <p:cNvSpPr/>
+          <p:nvPr/>
+        </p:nvSpPr>
+        <p:spPr>
+          <a:xfrm>
+            <a:off x="3914300" y="1936460"/>
+            <a:ext cx="1740310" cy="448351"/>
+          </a:xfrm>
+          <a:prstGeom prst="rect">
+            <a:avLst/>
+          </a:prstGeom>
+          <a:noFill/>
+          <a:ln>
+            <a:solidFill>
+              <a:srgbClr val="FF0000"/>
+            </a:solidFill>
+          </a:ln>
+        </p:spPr>
+        <p:style>
+          <a:lnRef idx="2">
+            <a:schemeClr val="accent1">
+              <a:shade val="50000"/>
+            </a:schemeClr>
+          </a:lnRef>
+          <a:fillRef idx="1">
+            <a:schemeClr val="accent1"/>
+          </a:fillRef>
+          <a:effectRef idx="0">
+            <a:schemeClr val="accent1"/>
+          </a:effectRef>
+          <a:fontRef idx="minor">
+            <a:schemeClr val="lt1"/>
+          </a:fontRef>
+        </p:style>
+        <p:txBody>
+          <a:bodyPr rtlCol="0" anchor="ctr"/>
+          <a:lstStyle/>
+          <a:p>
+            <a:pPr algn="ctr"/>
+            <a:r>
+              <a:rPr lang="en-US" dirty="0">
+                <a:solidFill>
+                  <a:schemeClr val="tx1"/>
+                </a:solidFill>
+              </a:rPr>
+              <a:t>This is one node</a:t>
+            </a:r>
+          </a:p>
+        </p:txBody>
+      </p:sp>
+      <p:cxnSp>
+        <p:nvCxnSpPr>
+          <p:cNvPr id="7" name="Straight Arrow Connector 6">
+            <a:extLst>
+              <a:ext uri="{FF2B5EF4-FFF2-40B4-BE49-F238E27FC236}">
+                <a16:creationId xmlns:a16="http://schemas.microsoft.com/office/drawing/2014/main" id="{557121DC-411D-4187-AE6B-51BBCE05783D}"/>
+              </a:ext>
+            </a:extLst>
+          </p:cNvPr>
+          <p:cNvCxnSpPr/>
+          <p:nvPr/>
+        </p:nvCxnSpPr>
+        <p:spPr>
+          <a:xfrm flipH="1">
+            <a:off x="3501345" y="2213686"/>
+            <a:ext cx="412955" cy="524192"/>
+          </a:xfrm>
+          <a:prstGeom prst="straightConnector1">
+            <a:avLst/>
+          </a:prstGeom>
+          <a:ln w="19050">
+            <a:solidFill>
+              <a:srgbClr val="FF0000"/>
+            </a:solidFill>
+            <a:tailEnd type="triangle"/>
+          </a:ln>
+        </p:spPr>
+        <p:style>
+          <a:lnRef idx="1">
+            <a:schemeClr val="accent1"/>
+          </a:lnRef>
+          <a:fillRef idx="0">
+            <a:schemeClr val="accent1"/>
+          </a:fillRef>
+          <a:effectRef idx="0">
+            <a:schemeClr val="accent1"/>
+          </a:effectRef>
+          <a:fontRef idx="minor">
+            <a:schemeClr val="tx1"/>
+          </a:fontRef>
+        </p:style>
+      </p:cxnSp>
+      <p:cxnSp>
+        <p:nvCxnSpPr>
+          <p:cNvPr id="10" name="Straight Arrow Connector 9">
+            <a:extLst>
+              <a:ext uri="{FF2B5EF4-FFF2-40B4-BE49-F238E27FC236}">
+                <a16:creationId xmlns:a16="http://schemas.microsoft.com/office/drawing/2014/main" id="{3C88661D-A159-4587-B4A1-429E67DF0494}"/>
+              </a:ext>
+            </a:extLst>
+          </p:cNvPr>
+          <p:cNvCxnSpPr/>
+          <p:nvPr/>
+        </p:nvCxnSpPr>
+        <p:spPr>
+          <a:xfrm>
+            <a:off x="1226212" y="2910598"/>
+            <a:ext cx="626263" cy="0"/>
+          </a:xfrm>
+          <a:prstGeom prst="straightConnector1">
+            <a:avLst/>
+          </a:prstGeom>
+          <a:ln w="38100">
+            <a:solidFill>
+              <a:srgbClr val="17CA0E"/>
+            </a:solidFill>
+            <a:tailEnd type="triangle"/>
+          </a:ln>
+        </p:spPr>
+        <p:style>
+          <a:lnRef idx="1">
+            <a:schemeClr val="accent1"/>
+          </a:lnRef>
+          <a:fillRef idx="0">
+            <a:schemeClr val="accent1"/>
+          </a:fillRef>
+          <a:effectRef idx="0">
+            <a:schemeClr val="accent1"/>
+          </a:effectRef>
+          <a:fontRef idx="minor">
+            <a:schemeClr val="tx1"/>
+          </a:fontRef>
+        </p:style>
+      </p:cxnSp>
+      <p:sp>
+        <p:nvSpPr>
+          <p:cNvPr id="11" name="TextBox 10">
+            <a:extLst>
+              <a:ext uri="{FF2B5EF4-FFF2-40B4-BE49-F238E27FC236}">
+                <a16:creationId xmlns:a16="http://schemas.microsoft.com/office/drawing/2014/main" id="{410AF997-D14E-4B0F-AA88-8B1965ACA703}"/>
+              </a:ext>
+            </a:extLst>
+          </p:cNvPr>
+          <p:cNvSpPr txBox="1"/>
+          <p:nvPr/>
+        </p:nvSpPr>
+        <p:spPr>
+          <a:xfrm>
+            <a:off x="1321206" y="3014731"/>
+            <a:ext cx="1401097" cy="461665"/>
+          </a:xfrm>
+          <a:prstGeom prst="rect">
+            <a:avLst/>
+          </a:prstGeom>
+          <a:noFill/>
+        </p:spPr>
+        <p:txBody>
+          <a:bodyPr wrap="square" lIns="91440" tIns="45720" rIns="91440" bIns="45720" rtlCol="0" anchor="t">
+            <a:spAutoFit/>
+          </a:bodyPr>
+          <a:lstStyle/>
+          <a:p>
+            <a:r>
+              <a:rPr lang="en-US" sz="2400" dirty="0">
+                <a:solidFill>
+                  <a:srgbClr val="17CA0E"/>
+                </a:solidFill>
+                <a:highlight>
+                  <a:srgbClr val="FFFFFF"/>
+                </a:highlight>
+              </a:rPr>
+              <a:t>entering</a:t>
+            </a:r>
+            <a:endParaRPr lang="en-US" sz="2400">
+              <a:solidFill>
+                <a:srgbClr val="17CA0E"/>
+              </a:solidFill>
+              <a:highlight>
+                <a:srgbClr val="FFFFFF"/>
+              </a:highlight>
+              <a:ea typeface="Calibri"/>
+              <a:cs typeface="Calibri"/>
+            </a:endParaRPr>
+          </a:p>
+        </p:txBody>
+      </p:sp>
+      <p:cxnSp>
+        <p:nvCxnSpPr>
+          <p:cNvPr id="13" name="Straight Arrow Connector 12">
+            <a:extLst>
+              <a:ext uri="{FF2B5EF4-FFF2-40B4-BE49-F238E27FC236}">
+                <a16:creationId xmlns:a16="http://schemas.microsoft.com/office/drawing/2014/main" id="{19B0F2D9-5AD7-4C96-BB22-0D79EBB186DA}"/>
+              </a:ext>
+            </a:extLst>
+          </p:cNvPr>
+          <p:cNvCxnSpPr/>
+          <p:nvPr/>
+        </p:nvCxnSpPr>
+        <p:spPr>
+          <a:xfrm flipH="1">
+            <a:off x="2778347" y="2961398"/>
+            <a:ext cx="0" cy="549623"/>
+          </a:xfrm>
+          <a:prstGeom prst="straightConnector1">
+            <a:avLst/>
+          </a:prstGeom>
+          <a:ln w="38100">
+            <a:solidFill>
+              <a:srgbClr val="FFC000"/>
+            </a:solidFill>
+            <a:tailEnd type="triangle"/>
+          </a:ln>
+        </p:spPr>
+        <p:style>
+          <a:lnRef idx="1">
+            <a:schemeClr val="accent1"/>
+          </a:lnRef>
+          <a:fillRef idx="0">
+            <a:schemeClr val="accent1"/>
+          </a:fillRef>
+          <a:effectRef idx="0">
+            <a:schemeClr val="accent1"/>
+          </a:effectRef>
+          <a:fontRef idx="minor">
+            <a:schemeClr val="tx1"/>
+          </a:fontRef>
+        </p:style>
+      </p:cxnSp>
+      <p:cxnSp>
+        <p:nvCxnSpPr>
+          <p:cNvPr id="14" name="Straight Arrow Connector 13">
+            <a:extLst>
+              <a:ext uri="{FF2B5EF4-FFF2-40B4-BE49-F238E27FC236}">
+                <a16:creationId xmlns:a16="http://schemas.microsoft.com/office/drawing/2014/main" id="{98650102-3BB2-4098-83B2-D8ECBD603F71}"/>
+              </a:ext>
+            </a:extLst>
+          </p:cNvPr>
+          <p:cNvCxnSpPr/>
+          <p:nvPr/>
+        </p:nvCxnSpPr>
+        <p:spPr>
+          <a:xfrm>
+            <a:off x="5001421" y="2913496"/>
+            <a:ext cx="0" cy="508983"/>
+          </a:xfrm>
+          <a:prstGeom prst="straightConnector1">
+            <a:avLst/>
+          </a:prstGeom>
+          <a:ln w="38100">
+            <a:solidFill>
+              <a:srgbClr val="FFC000"/>
+            </a:solidFill>
+            <a:tailEnd type="triangle"/>
+          </a:ln>
+        </p:spPr>
+        <p:style>
+          <a:lnRef idx="1">
+            <a:schemeClr val="accent1"/>
+          </a:lnRef>
+          <a:fillRef idx="0">
+            <a:schemeClr val="accent1"/>
+          </a:fillRef>
+          <a:effectRef idx="0">
+            <a:schemeClr val="accent1"/>
+          </a:effectRef>
+          <a:fontRef idx="minor">
+            <a:schemeClr val="tx1"/>
+          </a:fontRef>
+        </p:style>
+      </p:cxnSp>
+      <p:sp>
+        <p:nvSpPr>
+          <p:cNvPr id="16" name="TextBox 15">
+            <a:extLst>
+              <a:ext uri="{FF2B5EF4-FFF2-40B4-BE49-F238E27FC236}">
+                <a16:creationId xmlns:a16="http://schemas.microsoft.com/office/drawing/2014/main" id="{370F5B24-AFAE-4841-A6D1-433187760B2E}"/>
+              </a:ext>
+            </a:extLst>
+          </p:cNvPr>
+          <p:cNvSpPr txBox="1"/>
+          <p:nvPr/>
+        </p:nvSpPr>
+        <p:spPr>
+          <a:xfrm>
+            <a:off x="3468195" y="3064077"/>
+            <a:ext cx="1201123" cy="461665"/>
+          </a:xfrm>
+          <a:prstGeom prst="rect">
+            <a:avLst/>
+          </a:prstGeom>
+          <a:noFill/>
+        </p:spPr>
+        <p:txBody>
+          <a:bodyPr wrap="square" lIns="91440" tIns="45720" rIns="91440" bIns="45720" rtlCol="0" anchor="t">
+            <a:spAutoFit/>
+          </a:bodyPr>
+          <a:lstStyle/>
+          <a:p>
+            <a:r>
+              <a:rPr lang="en-US" sz="2400" dirty="0">
+                <a:solidFill>
+                  <a:srgbClr val="FFC000"/>
+                </a:solidFill>
+                <a:highlight>
+                  <a:srgbClr val="FFFFFF"/>
+                </a:highlight>
+              </a:rPr>
+              <a:t>exiting</a:t>
+            </a:r>
+            <a:endParaRPr lang="en-US" sz="2400">
+              <a:solidFill>
+                <a:srgbClr val="FFC000"/>
+              </a:solidFill>
+              <a:highlight>
+                <a:srgbClr val="FFFFFF"/>
+              </a:highlight>
+              <a:ea typeface="Calibri"/>
+              <a:cs typeface="Calibri"/>
+            </a:endParaRPr>
+          </a:p>
+        </p:txBody>
+      </p:sp>
+      <p:sp>
+        <p:nvSpPr>
+          <p:cNvPr id="4" name="Oval 3">
+            <a:extLst>
+              <a:ext uri="{FF2B5EF4-FFF2-40B4-BE49-F238E27FC236}">
+                <a16:creationId xmlns:a16="http://schemas.microsoft.com/office/drawing/2014/main" id="{C5FCBE1D-051B-4423-BA31-139D481AE895}"/>
+              </a:ext>
+            </a:extLst>
+          </p:cNvPr>
+          <p:cNvSpPr/>
+          <p:nvPr/>
+        </p:nvSpPr>
+        <p:spPr>
+          <a:xfrm>
+            <a:off x="665722" y="2758198"/>
+            <a:ext cx="4499840" cy="304800"/>
+          </a:xfrm>
+          <a:prstGeom prst="ellipse">
+            <a:avLst/>
+          </a:prstGeom>
+          <a:noFill/>
+          <a:ln w="19050">
+            <a:solidFill>
+              <a:srgbClr val="FF0000"/>
+            </a:solidFill>
+          </a:ln>
+        </p:spPr>
+        <p:style>
+          <a:lnRef idx="2">
+            <a:schemeClr val="accent1">
+              <a:shade val="50000"/>
+            </a:schemeClr>
+          </a:lnRef>
+          <a:fillRef idx="1">
+            <a:schemeClr val="accent1"/>
+          </a:fillRef>
+          <a:effectRef idx="0">
+            <a:schemeClr val="accent1"/>
+          </a:effectRef>
+          <a:fontRef idx="minor">
+            <a:schemeClr val="lt1"/>
+          </a:fontRef>
+        </p:style>
+        <p:txBody>
+          <a:bodyPr rtlCol="0" anchor="ctr"/>
+          <a:lstStyle/>
+          <a:p>
+            <a:pPr algn="ctr"/>
+            <a:endParaRPr lang="en-US"/>
           </a:p>
         </p:txBody>
       </p:sp>
     </p:spTree>
     <p:extLst>
       <p:ext uri="{BB962C8B-B14F-4D97-AF65-F5344CB8AC3E}">
-        <p14:creationId xmlns:p14="http://schemas.microsoft.com/office/powerpoint/2010/main" val="3275478266"/>
+        <p14:creationId xmlns:p14="http://schemas.microsoft.com/office/powerpoint/2010/main" val="2290955475"/>
       </p:ext>
     </p:extLst>
   </p:cSld>
@@ -5082,608 +5507,6 @@
           <a:chExt cx="0" cy="0"/>
         </a:xfrm>
       </p:grpSpPr>
-      <p:pic>
-        <p:nvPicPr>
-          <p:cNvPr id="12" name="Picture 11" descr="A diagram of a circuit&#10;&#10;AI-generated content may be incorrect.">
-            <a:extLst>
-              <a:ext uri="{FF2B5EF4-FFF2-40B4-BE49-F238E27FC236}">
-                <a16:creationId xmlns:a16="http://schemas.microsoft.com/office/drawing/2014/main" id="{B2A7FC94-9412-AD9D-E686-8C51E878D1AE}"/>
-              </a:ext>
-            </a:extLst>
-          </p:cNvPr>
-          <p:cNvPicPr>
-            <a:picLocks noChangeAspect="1"/>
-          </p:cNvPicPr>
-          <p:nvPr/>
-        </p:nvPicPr>
-        <p:blipFill>
-          <a:blip r:embed="rId2"/>
-          <a:stretch>
-            <a:fillRect/>
-          </a:stretch>
-        </p:blipFill>
-        <p:spPr>
-          <a:xfrm>
-            <a:off x="268300" y="2603601"/>
-            <a:ext cx="6044781" cy="2770698"/>
-          </a:xfrm>
-          <a:prstGeom prst="rect">
-            <a:avLst/>
-          </a:prstGeom>
-        </p:spPr>
-      </p:pic>
-      <p:sp>
-        <p:nvSpPr>
-          <p:cNvPr id="2" name="Title 1">
-            <a:extLst>
-              <a:ext uri="{FF2B5EF4-FFF2-40B4-BE49-F238E27FC236}">
-                <a16:creationId xmlns:a16="http://schemas.microsoft.com/office/drawing/2014/main" id="{8AEE8839-F0D7-4F10-B0DF-708AB24CD541}"/>
-              </a:ext>
-            </a:extLst>
-          </p:cNvPr>
-          <p:cNvSpPr>
-            <a:spLocks noGrp="1"/>
-          </p:cNvSpPr>
-          <p:nvPr>
-            <p:ph type="title"/>
-          </p:nvPr>
-        </p:nvSpPr>
-        <p:spPr/>
-        <p:txBody>
-          <a:bodyPr>
-            <a:normAutofit fontScale="90000"/>
-          </a:bodyPr>
-          <a:lstStyle/>
-          <a:p>
-            <a:r>
-              <a:rPr lang="en-US" dirty="0"/>
-              <a:t>Activity 2:  Current divider circuit</a:t>
-            </a:r>
-          </a:p>
-        </p:txBody>
-      </p:sp>
-      <p:sp>
-        <p:nvSpPr>
-          <p:cNvPr id="8" name="TextBox 7">
-            <a:extLst>
-              <a:ext uri="{FF2B5EF4-FFF2-40B4-BE49-F238E27FC236}">
-                <a16:creationId xmlns:a16="http://schemas.microsoft.com/office/drawing/2014/main" id="{24E0D476-0EF1-482D-816A-C9DA1EA7F4E4}"/>
-              </a:ext>
-            </a:extLst>
-          </p:cNvPr>
-          <p:cNvSpPr txBox="1"/>
-          <p:nvPr/>
-        </p:nvSpPr>
-        <p:spPr>
-          <a:xfrm>
-            <a:off x="6874754" y="2827980"/>
-            <a:ext cx="4077245" cy="2031325"/>
-          </a:xfrm>
-          <a:prstGeom prst="rect">
-            <a:avLst/>
-          </a:prstGeom>
-          <a:noFill/>
-        </p:spPr>
-        <p:txBody>
-          <a:bodyPr wrap="square" lIns="91440" tIns="45720" rIns="91440" bIns="45720" rtlCol="0" anchor="t">
-            <a:spAutoFit/>
-          </a:bodyPr>
-          <a:lstStyle/>
-          <a:p>
-            <a:pPr marL="342900" indent="-342900">
-              <a:buAutoNum type="arabicParenR"/>
-            </a:pPr>
-            <a:r>
-              <a:rPr lang="en-US" dirty="0">
-                <a:ea typeface="Calibri"/>
-                <a:cs typeface="Calibri"/>
-              </a:rPr>
-              <a:t>Measure incoming (entering) current in your circuit, write it down</a:t>
-            </a:r>
-          </a:p>
-          <a:p>
-            <a:pPr marL="342900" indent="-342900">
-              <a:buAutoNum type="arabicParenR"/>
-            </a:pPr>
-            <a:r>
-              <a:rPr lang="en-US" dirty="0">
-                <a:ea typeface="Calibri"/>
-                <a:cs typeface="Calibri"/>
-              </a:rPr>
-              <a:t>Measure the current through each of the resistors (exiting currents) and add them up. This should equal your measured current in Step 1!!!</a:t>
-            </a:r>
-          </a:p>
-          <a:p>
-            <a:pPr marL="342900" indent="-342900">
-              <a:buAutoNum type="arabicParenR"/>
-            </a:pPr>
-            <a:r>
-              <a:rPr lang="en-US" dirty="0">
-                <a:ea typeface="Calibri"/>
-                <a:cs typeface="Calibri"/>
-              </a:rPr>
-              <a:t>Have a TA verify your results</a:t>
-            </a:r>
-          </a:p>
-        </p:txBody>
-      </p:sp>
-      <p:sp>
-        <p:nvSpPr>
-          <p:cNvPr id="15" name="TextBox 14">
-            <a:extLst>
-              <a:ext uri="{FF2B5EF4-FFF2-40B4-BE49-F238E27FC236}">
-                <a16:creationId xmlns:a16="http://schemas.microsoft.com/office/drawing/2014/main" id="{C30FC995-0D7E-FC02-6F72-A5FEB917B47B}"/>
-              </a:ext>
-            </a:extLst>
-          </p:cNvPr>
-          <p:cNvSpPr txBox="1"/>
-          <p:nvPr/>
-        </p:nvSpPr>
-        <p:spPr>
-          <a:xfrm>
-            <a:off x="550027" y="6490505"/>
-            <a:ext cx="5476240" cy="276999"/>
-          </a:xfrm>
-          <a:prstGeom prst="rect">
-            <a:avLst/>
-          </a:prstGeom>
-          <a:noFill/>
-        </p:spPr>
-        <p:txBody>
-          <a:bodyPr rot="0" spcFirstLastPara="0" vertOverflow="overflow" horzOverflow="overflow" vert="horz" wrap="square" lIns="91440" tIns="45720" rIns="91440" bIns="45720" numCol="1" spcCol="0" rtlCol="0" fromWordArt="0" anchor="t" anchorCtr="0" forceAA="0" compatLnSpc="1">
-            <a:prstTxWarp prst="textNoShape">
-              <a:avLst/>
-            </a:prstTxWarp>
-            <a:spAutoFit/>
-          </a:bodyPr>
-          <a:lstStyle/>
-          <a:p>
-            <a:r>
-              <a:rPr lang="en-US" sz="1200" i="1" dirty="0">
-                <a:solidFill>
-                  <a:srgbClr val="7F7FA4"/>
-                </a:solidFill>
-                <a:ea typeface="Calibri"/>
-                <a:cs typeface="Calibri"/>
-              </a:rPr>
-              <a:t>Created by Jack </a:t>
-            </a:r>
-            <a:r>
-              <a:rPr lang="en-US" sz="1200" i="1" dirty="0" err="1">
-                <a:solidFill>
-                  <a:srgbClr val="7F7FA4"/>
-                </a:solidFill>
-                <a:ea typeface="Calibri"/>
-                <a:cs typeface="Calibri"/>
-              </a:rPr>
-              <a:t>McTasney</a:t>
-            </a:r>
-            <a:r>
-              <a:rPr lang="en-US" sz="1200" i="1" dirty="0">
-                <a:solidFill>
-                  <a:srgbClr val="7F7FA4"/>
-                </a:solidFill>
-                <a:ea typeface="Calibri"/>
-                <a:cs typeface="Calibri"/>
-              </a:rPr>
-              <a:t>, EE-1100 Spring 2024 &amp; 2025 TA</a:t>
-            </a:r>
-          </a:p>
-        </p:txBody>
-      </p:sp>
-      <p:sp>
-        <p:nvSpPr>
-          <p:cNvPr id="5" name="Rectangle 4">
-            <a:extLst>
-              <a:ext uri="{FF2B5EF4-FFF2-40B4-BE49-F238E27FC236}">
-                <a16:creationId xmlns:a16="http://schemas.microsoft.com/office/drawing/2014/main" id="{620A2F80-754A-488D-AC62-9078AB756505}"/>
-              </a:ext>
-            </a:extLst>
-          </p:cNvPr>
-          <p:cNvSpPr/>
-          <p:nvPr/>
-        </p:nvSpPr>
-        <p:spPr>
-          <a:xfrm>
-            <a:off x="3914300" y="1936460"/>
-            <a:ext cx="1740310" cy="448351"/>
-          </a:xfrm>
-          <a:prstGeom prst="rect">
-            <a:avLst/>
-          </a:prstGeom>
-          <a:noFill/>
-          <a:ln>
-            <a:solidFill>
-              <a:srgbClr val="FF0000"/>
-            </a:solidFill>
-          </a:ln>
-        </p:spPr>
-        <p:style>
-          <a:lnRef idx="2">
-            <a:schemeClr val="accent1">
-              <a:shade val="50000"/>
-            </a:schemeClr>
-          </a:lnRef>
-          <a:fillRef idx="1">
-            <a:schemeClr val="accent1"/>
-          </a:fillRef>
-          <a:effectRef idx="0">
-            <a:schemeClr val="accent1"/>
-          </a:effectRef>
-          <a:fontRef idx="minor">
-            <a:schemeClr val="lt1"/>
-          </a:fontRef>
-        </p:style>
-        <p:txBody>
-          <a:bodyPr rtlCol="0" anchor="ctr"/>
-          <a:lstStyle/>
-          <a:p>
-            <a:pPr algn="ctr"/>
-            <a:r>
-              <a:rPr lang="en-US" dirty="0">
-                <a:solidFill>
-                  <a:schemeClr val="tx1"/>
-                </a:solidFill>
-              </a:rPr>
-              <a:t>This is one node</a:t>
-            </a:r>
-          </a:p>
-        </p:txBody>
-      </p:sp>
-      <p:cxnSp>
-        <p:nvCxnSpPr>
-          <p:cNvPr id="7" name="Straight Arrow Connector 6">
-            <a:extLst>
-              <a:ext uri="{FF2B5EF4-FFF2-40B4-BE49-F238E27FC236}">
-                <a16:creationId xmlns:a16="http://schemas.microsoft.com/office/drawing/2014/main" id="{557121DC-411D-4187-AE6B-51BBCE05783D}"/>
-              </a:ext>
-            </a:extLst>
-          </p:cNvPr>
-          <p:cNvCxnSpPr/>
-          <p:nvPr/>
-        </p:nvCxnSpPr>
-        <p:spPr>
-          <a:xfrm flipH="1">
-            <a:off x="3501345" y="2213686"/>
-            <a:ext cx="412955" cy="524192"/>
-          </a:xfrm>
-          <a:prstGeom prst="straightConnector1">
-            <a:avLst/>
-          </a:prstGeom>
-          <a:ln w="19050">
-            <a:solidFill>
-              <a:srgbClr val="FF0000"/>
-            </a:solidFill>
-            <a:tailEnd type="triangle"/>
-          </a:ln>
-        </p:spPr>
-        <p:style>
-          <a:lnRef idx="1">
-            <a:schemeClr val="accent1"/>
-          </a:lnRef>
-          <a:fillRef idx="0">
-            <a:schemeClr val="accent1"/>
-          </a:fillRef>
-          <a:effectRef idx="0">
-            <a:schemeClr val="accent1"/>
-          </a:effectRef>
-          <a:fontRef idx="minor">
-            <a:schemeClr val="tx1"/>
-          </a:fontRef>
-        </p:style>
-      </p:cxnSp>
-      <p:cxnSp>
-        <p:nvCxnSpPr>
-          <p:cNvPr id="10" name="Straight Arrow Connector 9">
-            <a:extLst>
-              <a:ext uri="{FF2B5EF4-FFF2-40B4-BE49-F238E27FC236}">
-                <a16:creationId xmlns:a16="http://schemas.microsoft.com/office/drawing/2014/main" id="{3C88661D-A159-4587-B4A1-429E67DF0494}"/>
-              </a:ext>
-            </a:extLst>
-          </p:cNvPr>
-          <p:cNvCxnSpPr/>
-          <p:nvPr/>
-        </p:nvCxnSpPr>
-        <p:spPr>
-          <a:xfrm>
-            <a:off x="1226212" y="2910598"/>
-            <a:ext cx="626263" cy="0"/>
-          </a:xfrm>
-          <a:prstGeom prst="straightConnector1">
-            <a:avLst/>
-          </a:prstGeom>
-          <a:ln w="38100">
-            <a:solidFill>
-              <a:srgbClr val="17CA0E"/>
-            </a:solidFill>
-            <a:tailEnd type="triangle"/>
-          </a:ln>
-        </p:spPr>
-        <p:style>
-          <a:lnRef idx="1">
-            <a:schemeClr val="accent1"/>
-          </a:lnRef>
-          <a:fillRef idx="0">
-            <a:schemeClr val="accent1"/>
-          </a:fillRef>
-          <a:effectRef idx="0">
-            <a:schemeClr val="accent1"/>
-          </a:effectRef>
-          <a:fontRef idx="minor">
-            <a:schemeClr val="tx1"/>
-          </a:fontRef>
-        </p:style>
-      </p:cxnSp>
-      <p:sp>
-        <p:nvSpPr>
-          <p:cNvPr id="11" name="TextBox 10">
-            <a:extLst>
-              <a:ext uri="{FF2B5EF4-FFF2-40B4-BE49-F238E27FC236}">
-                <a16:creationId xmlns:a16="http://schemas.microsoft.com/office/drawing/2014/main" id="{410AF997-D14E-4B0F-AA88-8B1965ACA703}"/>
-              </a:ext>
-            </a:extLst>
-          </p:cNvPr>
-          <p:cNvSpPr txBox="1"/>
-          <p:nvPr/>
-        </p:nvSpPr>
-        <p:spPr>
-          <a:xfrm>
-            <a:off x="1321206" y="3014731"/>
-            <a:ext cx="1401097" cy="461665"/>
-          </a:xfrm>
-          <a:prstGeom prst="rect">
-            <a:avLst/>
-          </a:prstGeom>
-          <a:noFill/>
-        </p:spPr>
-        <p:txBody>
-          <a:bodyPr wrap="square" lIns="91440" tIns="45720" rIns="91440" bIns="45720" rtlCol="0" anchor="t">
-            <a:spAutoFit/>
-          </a:bodyPr>
-          <a:lstStyle/>
-          <a:p>
-            <a:r>
-              <a:rPr lang="en-US" sz="2400" dirty="0">
-                <a:solidFill>
-                  <a:srgbClr val="17CA0E"/>
-                </a:solidFill>
-                <a:highlight>
-                  <a:srgbClr val="FFFFFF"/>
-                </a:highlight>
-              </a:rPr>
-              <a:t>entering</a:t>
-            </a:r>
-            <a:endParaRPr lang="en-US" sz="2400">
-              <a:solidFill>
-                <a:srgbClr val="17CA0E"/>
-              </a:solidFill>
-              <a:highlight>
-                <a:srgbClr val="FFFFFF"/>
-              </a:highlight>
-              <a:ea typeface="Calibri"/>
-              <a:cs typeface="Calibri"/>
-            </a:endParaRPr>
-          </a:p>
-        </p:txBody>
-      </p:sp>
-      <p:cxnSp>
-        <p:nvCxnSpPr>
-          <p:cNvPr id="13" name="Straight Arrow Connector 12">
-            <a:extLst>
-              <a:ext uri="{FF2B5EF4-FFF2-40B4-BE49-F238E27FC236}">
-                <a16:creationId xmlns:a16="http://schemas.microsoft.com/office/drawing/2014/main" id="{19B0F2D9-5AD7-4C96-BB22-0D79EBB186DA}"/>
-              </a:ext>
-            </a:extLst>
-          </p:cNvPr>
-          <p:cNvCxnSpPr/>
-          <p:nvPr/>
-        </p:nvCxnSpPr>
-        <p:spPr>
-          <a:xfrm flipH="1">
-            <a:off x="2778347" y="2961398"/>
-            <a:ext cx="0" cy="549623"/>
-          </a:xfrm>
-          <a:prstGeom prst="straightConnector1">
-            <a:avLst/>
-          </a:prstGeom>
-          <a:ln w="38100">
-            <a:solidFill>
-              <a:srgbClr val="FFC000"/>
-            </a:solidFill>
-            <a:tailEnd type="triangle"/>
-          </a:ln>
-        </p:spPr>
-        <p:style>
-          <a:lnRef idx="1">
-            <a:schemeClr val="accent1"/>
-          </a:lnRef>
-          <a:fillRef idx="0">
-            <a:schemeClr val="accent1"/>
-          </a:fillRef>
-          <a:effectRef idx="0">
-            <a:schemeClr val="accent1"/>
-          </a:effectRef>
-          <a:fontRef idx="minor">
-            <a:schemeClr val="tx1"/>
-          </a:fontRef>
-        </p:style>
-      </p:cxnSp>
-      <p:cxnSp>
-        <p:nvCxnSpPr>
-          <p:cNvPr id="14" name="Straight Arrow Connector 13">
-            <a:extLst>
-              <a:ext uri="{FF2B5EF4-FFF2-40B4-BE49-F238E27FC236}">
-                <a16:creationId xmlns:a16="http://schemas.microsoft.com/office/drawing/2014/main" id="{98650102-3BB2-4098-83B2-D8ECBD603F71}"/>
-              </a:ext>
-            </a:extLst>
-          </p:cNvPr>
-          <p:cNvCxnSpPr/>
-          <p:nvPr/>
-        </p:nvCxnSpPr>
-        <p:spPr>
-          <a:xfrm>
-            <a:off x="5001421" y="2913496"/>
-            <a:ext cx="0" cy="508983"/>
-          </a:xfrm>
-          <a:prstGeom prst="straightConnector1">
-            <a:avLst/>
-          </a:prstGeom>
-          <a:ln w="38100">
-            <a:solidFill>
-              <a:srgbClr val="FFC000"/>
-            </a:solidFill>
-            <a:tailEnd type="triangle"/>
-          </a:ln>
-        </p:spPr>
-        <p:style>
-          <a:lnRef idx="1">
-            <a:schemeClr val="accent1"/>
-          </a:lnRef>
-          <a:fillRef idx="0">
-            <a:schemeClr val="accent1"/>
-          </a:fillRef>
-          <a:effectRef idx="0">
-            <a:schemeClr val="accent1"/>
-          </a:effectRef>
-          <a:fontRef idx="minor">
-            <a:schemeClr val="tx1"/>
-          </a:fontRef>
-        </p:style>
-      </p:cxnSp>
-      <p:sp>
-        <p:nvSpPr>
-          <p:cNvPr id="16" name="TextBox 15">
-            <a:extLst>
-              <a:ext uri="{FF2B5EF4-FFF2-40B4-BE49-F238E27FC236}">
-                <a16:creationId xmlns:a16="http://schemas.microsoft.com/office/drawing/2014/main" id="{370F5B24-AFAE-4841-A6D1-433187760B2E}"/>
-              </a:ext>
-            </a:extLst>
-          </p:cNvPr>
-          <p:cNvSpPr txBox="1"/>
-          <p:nvPr/>
-        </p:nvSpPr>
-        <p:spPr>
-          <a:xfrm>
-            <a:off x="3468195" y="3064077"/>
-            <a:ext cx="1201123" cy="461665"/>
-          </a:xfrm>
-          <a:prstGeom prst="rect">
-            <a:avLst/>
-          </a:prstGeom>
-          <a:noFill/>
-        </p:spPr>
-        <p:txBody>
-          <a:bodyPr wrap="square" lIns="91440" tIns="45720" rIns="91440" bIns="45720" rtlCol="0" anchor="t">
-            <a:spAutoFit/>
-          </a:bodyPr>
-          <a:lstStyle/>
-          <a:p>
-            <a:r>
-              <a:rPr lang="en-US" sz="2400" dirty="0">
-                <a:solidFill>
-                  <a:srgbClr val="FFC000"/>
-                </a:solidFill>
-                <a:highlight>
-                  <a:srgbClr val="FFFFFF"/>
-                </a:highlight>
-              </a:rPr>
-              <a:t>exiting</a:t>
-            </a:r>
-            <a:endParaRPr lang="en-US" sz="2400">
-              <a:solidFill>
-                <a:srgbClr val="FFC000"/>
-              </a:solidFill>
-              <a:highlight>
-                <a:srgbClr val="FFFFFF"/>
-              </a:highlight>
-              <a:ea typeface="Calibri"/>
-              <a:cs typeface="Calibri"/>
-            </a:endParaRPr>
-          </a:p>
-        </p:txBody>
-      </p:sp>
-      <p:sp>
-        <p:nvSpPr>
-          <p:cNvPr id="4" name="Oval 3">
-            <a:extLst>
-              <a:ext uri="{FF2B5EF4-FFF2-40B4-BE49-F238E27FC236}">
-                <a16:creationId xmlns:a16="http://schemas.microsoft.com/office/drawing/2014/main" id="{C5FCBE1D-051B-4423-BA31-139D481AE895}"/>
-              </a:ext>
-            </a:extLst>
-          </p:cNvPr>
-          <p:cNvSpPr/>
-          <p:nvPr/>
-        </p:nvSpPr>
-        <p:spPr>
-          <a:xfrm>
-            <a:off x="665722" y="2758198"/>
-            <a:ext cx="4499840" cy="304800"/>
-          </a:xfrm>
-          <a:prstGeom prst="ellipse">
-            <a:avLst/>
-          </a:prstGeom>
-          <a:noFill/>
-          <a:ln w="19050">
-            <a:solidFill>
-              <a:srgbClr val="FF0000"/>
-            </a:solidFill>
-          </a:ln>
-        </p:spPr>
-        <p:style>
-          <a:lnRef idx="2">
-            <a:schemeClr val="accent1">
-              <a:shade val="50000"/>
-            </a:schemeClr>
-          </a:lnRef>
-          <a:fillRef idx="1">
-            <a:schemeClr val="accent1"/>
-          </a:fillRef>
-          <a:effectRef idx="0">
-            <a:schemeClr val="accent1"/>
-          </a:effectRef>
-          <a:fontRef idx="minor">
-            <a:schemeClr val="lt1"/>
-          </a:fontRef>
-        </p:style>
-        <p:txBody>
-          <a:bodyPr rtlCol="0" anchor="ctr"/>
-          <a:lstStyle/>
-          <a:p>
-            <a:pPr algn="ctr"/>
-            <a:endParaRPr lang="en-US"/>
-          </a:p>
-        </p:txBody>
-      </p:sp>
-    </p:spTree>
-    <p:extLst>
-      <p:ext uri="{BB962C8B-B14F-4D97-AF65-F5344CB8AC3E}">
-        <p14:creationId xmlns:p14="http://schemas.microsoft.com/office/powerpoint/2010/main" val="2290955475"/>
-      </p:ext>
-    </p:extLst>
-  </p:cSld>
-  <p:clrMapOvr>
-    <a:masterClrMapping/>
-  </p:clrMapOvr>
-</p:sld>
-</file>
-
-<file path=ppt/slides/slide13.xml><?xml version="1.0" encoding="utf-8"?>
-<p:sld xmlns:a="http://schemas.openxmlformats.org/drawingml/2006/main" xmlns:r="http://schemas.openxmlformats.org/officeDocument/2006/relationships" xmlns:p="http://schemas.openxmlformats.org/presentationml/2006/main">
-  <p:cSld>
-    <p:spTree>
-      <p:nvGrpSpPr>
-        <p:cNvPr id="1" name=""/>
-        <p:cNvGrpSpPr/>
-        <p:nvPr/>
-      </p:nvGrpSpPr>
-      <p:grpSpPr>
-        <a:xfrm>
-          <a:off x="0" y="0"/>
-          <a:ext cx="0" cy="0"/>
-          <a:chOff x="0" y="0"/>
-          <a:chExt cx="0" cy="0"/>
-        </a:xfrm>
-      </p:grpSpPr>
       <p:sp>
         <p:nvSpPr>
           <p:cNvPr id="2" name="Title 1">
@@ -5792,7 +5615,7 @@
 </p:sld>
 </file>
 
-<file path=ppt/slides/slide14.xml><?xml version="1.0" encoding="utf-8"?>
+<file path=ppt/slides/slide13.xml><?xml version="1.0" encoding="utf-8"?>
 <p:sld xmlns:a="http://schemas.openxmlformats.org/drawingml/2006/main" xmlns:r="http://schemas.openxmlformats.org/officeDocument/2006/relationships" xmlns:p="http://schemas.openxmlformats.org/presentationml/2006/main">
   <p:cSld>
     <p:spTree>
@@ -5963,7 +5786,7 @@
           <p:cNvPr id="2" name="Title 1">
             <a:extLst>
               <a:ext uri="{FF2B5EF4-FFF2-40B4-BE49-F238E27FC236}">
-                <a16:creationId xmlns:a16="http://schemas.microsoft.com/office/drawing/2014/main" id="{C244DC55-6170-FE3B-B14D-F5DAE3E03A44}"/>
+                <a16:creationId xmlns:a16="http://schemas.microsoft.com/office/drawing/2014/main" id="{1060E958-AD16-FF60-07C8-DC3AD15157B6}"/>
               </a:ext>
             </a:extLst>
           </p:cNvPr>
@@ -5987,177 +5810,95 @@
                 <a:ea typeface="Calibri Light"/>
                 <a:cs typeface="Calibri Light"/>
               </a:rPr>
-              <a:t>Icebreaker!</a:t>
-            </a:r>
-          </a:p>
-        </p:txBody>
-      </p:sp>
-      <p:sp>
-        <p:nvSpPr>
-          <p:cNvPr id="4" name="TextBox 3">
-            <a:extLst>
-              <a:ext uri="{FF2B5EF4-FFF2-40B4-BE49-F238E27FC236}">
-                <a16:creationId xmlns:a16="http://schemas.microsoft.com/office/drawing/2014/main" id="{B60A4112-19A7-31D4-8878-0E721F87AC6A}"/>
-              </a:ext>
-            </a:extLst>
-          </p:cNvPr>
-          <p:cNvSpPr txBox="1"/>
-          <p:nvPr/>
-        </p:nvSpPr>
-        <p:spPr>
-          <a:xfrm>
-            <a:off x="2282928" y="2649236"/>
-            <a:ext cx="5943600" cy="369332"/>
-          </a:xfrm>
-          <a:prstGeom prst="rect">
-            <a:avLst/>
-          </a:prstGeom>
-          <a:noFill/>
-        </p:spPr>
-        <p:txBody>
-          <a:bodyPr rot="0" spcFirstLastPara="0" vertOverflow="overflow" horzOverflow="overflow" vert="horz" wrap="square" lIns="91440" tIns="45720" rIns="91440" bIns="45720" numCol="1" spcCol="0" rtlCol="0" fromWordArt="0" anchor="t" anchorCtr="0" forceAA="0" compatLnSpc="1">
-            <a:prstTxWarp prst="textNoShape">
-              <a:avLst/>
-            </a:prstTxWarp>
-            <a:spAutoFit/>
+              <a:t>Office Hours!!!!</a:t>
+            </a:r>
+          </a:p>
+        </p:txBody>
+      </p:sp>
+      <p:sp>
+        <p:nvSpPr>
+          <p:cNvPr id="3" name="Content Placeholder 2">
+            <a:extLst>
+              <a:ext uri="{FF2B5EF4-FFF2-40B4-BE49-F238E27FC236}">
+                <a16:creationId xmlns:a16="http://schemas.microsoft.com/office/drawing/2014/main" id="{F2A9AC90-4156-BE1F-A9E0-DBE77C045521}"/>
+              </a:ext>
+            </a:extLst>
+          </p:cNvPr>
+          <p:cNvSpPr>
+            <a:spLocks noGrp="1"/>
+          </p:cNvSpPr>
+          <p:nvPr>
+            <p:ph idx="1"/>
+          </p:nvPr>
+        </p:nvSpPr>
+        <p:spPr/>
+        <p:txBody>
+          <a:bodyPr vert="horz" lIns="91440" tIns="45720" rIns="91440" bIns="45720" rtlCol="0" anchor="t">
+            <a:normAutofit/>
           </a:bodyPr>
           <a:lstStyle/>
           <a:p>
+            <a:pPr marL="0" indent="0">
+              <a:buNone/>
+            </a:pPr>
             <a:r>
               <a:rPr lang="en-US" dirty="0">
                 <a:ea typeface="Calibri"/>
                 <a:cs typeface="Calibri"/>
               </a:rPr>
-              <a:t>Last night I was in bed trying to sleep and get over my cold</a:t>
+              <a:t>Office hours will be held during the IEEE club general meeting timeslot which is.....</a:t>
             </a:r>
             <a:endParaRPr lang="en-US" dirty="0"/>
           </a:p>
-        </p:txBody>
-      </p:sp>
-      <p:sp>
-        <p:nvSpPr>
-          <p:cNvPr id="5" name="TextBox 4">
-            <a:extLst>
-              <a:ext uri="{FF2B5EF4-FFF2-40B4-BE49-F238E27FC236}">
-                <a16:creationId xmlns:a16="http://schemas.microsoft.com/office/drawing/2014/main" id="{06EB165A-6BB8-256D-EBBC-52C18EAECA8C}"/>
-              </a:ext>
-            </a:extLst>
-          </p:cNvPr>
-          <p:cNvSpPr txBox="1"/>
-          <p:nvPr/>
-        </p:nvSpPr>
-        <p:spPr>
-          <a:xfrm>
-            <a:off x="3817116" y="3687287"/>
-            <a:ext cx="4561840" cy="369332"/>
-          </a:xfrm>
-          <a:prstGeom prst="rect">
-            <a:avLst/>
-          </a:prstGeom>
-          <a:noFill/>
-        </p:spPr>
-        <p:txBody>
-          <a:bodyPr rot="0" spcFirstLastPara="0" vertOverflow="overflow" horzOverflow="overflow" vert="horz" wrap="square" lIns="91440" tIns="45720" rIns="91440" bIns="45720" numCol="1" spcCol="0" rtlCol="0" fromWordArt="0" anchor="t" anchorCtr="0" forceAA="0" compatLnSpc="1">
-            <a:prstTxWarp prst="textNoShape">
-              <a:avLst/>
-            </a:prstTxWarp>
-            <a:spAutoFit/>
-          </a:bodyPr>
-          <a:lstStyle/>
-          <a:p>
+          <a:p>
+            <a:pPr marL="0" indent="0" algn="ctr">
+              <a:buNone/>
+            </a:pPr>
+            <a:endParaRPr lang="en-US" dirty="0">
+              <a:ea typeface="Calibri"/>
+              <a:cs typeface="Calibri"/>
+            </a:endParaRPr>
+          </a:p>
+          <a:p>
+            <a:pPr marL="0" indent="0" algn="ctr">
+              <a:buNone/>
+            </a:pPr>
+            <a:r>
+              <a:rPr lang="en-US" b="1" u="sng" dirty="0">
+                <a:ea typeface="Calibri"/>
+                <a:cs typeface="Calibri"/>
+              </a:rPr>
+              <a:t>INSERT THIS YEAR’S IEEE MEETING TIME (OR ALT. OFFICE HR TIME) HERE</a:t>
+            </a:r>
+          </a:p>
+          <a:p>
+            <a:pPr marL="0" indent="0" algn="ctr">
+              <a:buNone/>
+            </a:pPr>
+            <a:endParaRPr lang="en-US" b="1" dirty="0">
+              <a:ea typeface="Calibri"/>
+              <a:cs typeface="Calibri"/>
+            </a:endParaRPr>
+          </a:p>
+          <a:p>
+            <a:pPr marL="0" indent="0" algn="ctr">
+              <a:buNone/>
+            </a:pPr>
+            <a:endParaRPr lang="en-US" b="1" dirty="0">
+              <a:ea typeface="Calibri"/>
+              <a:cs typeface="Calibri"/>
+            </a:endParaRPr>
+          </a:p>
+          <a:p>
+            <a:pPr marL="0" indent="0">
+              <a:buNone/>
+            </a:pPr>
             <a:r>
               <a:rPr lang="en-US" dirty="0">
                 <a:ea typeface="Calibri"/>
                 <a:cs typeface="Calibri"/>
               </a:rPr>
-              <a:t>My housemates set off the fire alarm at 1AM</a:t>
-            </a:r>
-            <a:endParaRPr lang="en-US" dirty="0"/>
-          </a:p>
-        </p:txBody>
-      </p:sp>
-      <p:sp>
-        <p:nvSpPr>
-          <p:cNvPr id="6" name="TextBox 5">
-            <a:extLst>
-              <a:ext uri="{FF2B5EF4-FFF2-40B4-BE49-F238E27FC236}">
-                <a16:creationId xmlns:a16="http://schemas.microsoft.com/office/drawing/2014/main" id="{265DDEF7-71B5-0E2A-9A6A-BF466D07DCAA}"/>
-              </a:ext>
-            </a:extLst>
-          </p:cNvPr>
-          <p:cNvSpPr txBox="1"/>
-          <p:nvPr/>
-        </p:nvSpPr>
-        <p:spPr>
-          <a:xfrm>
-            <a:off x="5251350" y="4629763"/>
-            <a:ext cx="4643120" cy="369332"/>
-          </a:xfrm>
-          <a:prstGeom prst="rect">
-            <a:avLst/>
-          </a:prstGeom>
-          <a:noFill/>
-        </p:spPr>
-        <p:txBody>
-          <a:bodyPr rot="0" spcFirstLastPara="0" vertOverflow="overflow" horzOverflow="overflow" vert="horz" wrap="square" lIns="91440" tIns="45720" rIns="91440" bIns="45720" numCol="1" spcCol="0" rtlCol="0" fromWordArt="0" anchor="t" anchorCtr="0" forceAA="0" compatLnSpc="1">
-            <a:prstTxWarp prst="textNoShape">
-              <a:avLst/>
-            </a:prstTxWarp>
-            <a:spAutoFit/>
-          </a:bodyPr>
-          <a:lstStyle/>
-          <a:p>
-            <a:r>
-              <a:rPr lang="en-US" dirty="0">
-                <a:ea typeface="Calibri"/>
-                <a:cs typeface="Calibri"/>
-              </a:rPr>
-              <a:t>What did they do to set off the alarm?</a:t>
-            </a:r>
-            <a:endParaRPr lang="en-US" dirty="0"/>
-          </a:p>
-        </p:txBody>
-      </p:sp>
-      <p:sp>
-        <p:nvSpPr>
-          <p:cNvPr id="7" name="TextBox 6">
-            <a:extLst>
-              <a:ext uri="{FF2B5EF4-FFF2-40B4-BE49-F238E27FC236}">
-                <a16:creationId xmlns:a16="http://schemas.microsoft.com/office/drawing/2014/main" id="{09013293-A5FF-B8FD-86B3-1A0E358AA800}"/>
-              </a:ext>
-            </a:extLst>
-          </p:cNvPr>
-          <p:cNvSpPr txBox="1"/>
-          <p:nvPr/>
-        </p:nvSpPr>
-        <p:spPr>
-          <a:xfrm rot="1800000">
-            <a:off x="2723636" y="3584732"/>
-            <a:ext cx="7032170" cy="584775"/>
-          </a:xfrm>
-          <a:prstGeom prst="rect">
-            <a:avLst/>
-          </a:prstGeom>
-          <a:noFill/>
-        </p:spPr>
-        <p:txBody>
-          <a:bodyPr rot="0" spcFirstLastPara="0" vertOverflow="overflow" horzOverflow="overflow" vert="horz" wrap="square" lIns="91440" tIns="45720" rIns="91440" bIns="45720" numCol="1" spcCol="0" rtlCol="0" fromWordArt="0" anchor="t" anchorCtr="0" forceAA="0" compatLnSpc="1">
-            <a:prstTxWarp prst="textNoShape">
-              <a:avLst/>
-            </a:prstTxWarp>
-            <a:spAutoFit/>
-          </a:bodyPr>
-          <a:lstStyle/>
-          <a:p>
-            <a:r>
-              <a:rPr lang="en-US" sz="3200" dirty="0">
-                <a:highlight>
-                  <a:srgbClr val="FF00FF"/>
-                </a:highlight>
-                <a:ea typeface="Calibri"/>
-                <a:cs typeface="Calibri"/>
-              </a:rPr>
-              <a:t>TOASTING BREAD IN A DIRTY AIRFRYER!!!</a:t>
+              <a:t>They can also be scheduled with TAs outside of this time, shoot us an email and we can schedule something that work for you!!!</a:t>
             </a:r>
           </a:p>
         </p:txBody>
@@ -6165,367 +5906,13 @@
     </p:spTree>
     <p:extLst>
       <p:ext uri="{BB962C8B-B14F-4D97-AF65-F5344CB8AC3E}">
-        <p14:creationId xmlns:p14="http://schemas.microsoft.com/office/powerpoint/2010/main" val="1629176975"/>
+        <p14:creationId xmlns:p14="http://schemas.microsoft.com/office/powerpoint/2010/main" val="1231273625"/>
       </p:ext>
     </p:extLst>
   </p:cSld>
   <p:clrMapOvr>
     <a:masterClrMapping/>
   </p:clrMapOvr>
-  <p:timing>
-    <p:tnLst>
-      <p:par>
-        <p:cTn id="1" dur="indefinite" restart="never" nodeType="tmRoot">
-          <p:childTnLst>
-            <p:seq concurrent="1" nextAc="seek">
-              <p:cTn id="2" dur="indefinite" nodeType="mainSeq">
-                <p:childTnLst>
-                  <p:par>
-                    <p:cTn id="3" fill="hold">
-                      <p:stCondLst>
-                        <p:cond delay="indefinite"/>
-                      </p:stCondLst>
-                      <p:childTnLst>
-                        <p:par>
-                          <p:cTn id="4" fill="hold">
-                            <p:stCondLst>
-                              <p:cond delay="0"/>
-                            </p:stCondLst>
-                            <p:childTnLst>
-                              <p:par>
-                                <p:cTn id="5" presetID="2" presetClass="entr" presetSubtype="4" fill="hold" grpId="0" nodeType="clickEffect">
-                                  <p:stCondLst>
-                                    <p:cond delay="0"/>
-                                  </p:stCondLst>
-                                  <p:childTnLst>
-                                    <p:set>
-                                      <p:cBhvr>
-                                        <p:cTn id="6" dur="1" fill="hold">
-                                          <p:stCondLst>
-                                            <p:cond delay="0"/>
-                                          </p:stCondLst>
-                                        </p:cTn>
-                                        <p:tgtEl>
-                                          <p:spTgt spid="4"/>
-                                        </p:tgtEl>
-                                        <p:attrNameLst>
-                                          <p:attrName>style.visibility</p:attrName>
-                                        </p:attrNameLst>
-                                      </p:cBhvr>
-                                      <p:to>
-                                        <p:strVal val="visible"/>
-                                      </p:to>
-                                    </p:set>
-                                    <p:anim calcmode="lin" valueType="num">
-                                      <p:cBhvr additive="base">
-                                        <p:cTn id="7" dur="500" fill="hold"/>
-                                        <p:tgtEl>
-                                          <p:spTgt spid="4"/>
-                                        </p:tgtEl>
-                                        <p:attrNameLst>
-                                          <p:attrName>ppt_x</p:attrName>
-                                        </p:attrNameLst>
-                                      </p:cBhvr>
-                                      <p:tavLst>
-                                        <p:tav tm="0">
-                                          <p:val>
-                                            <p:strVal val="#ppt_x"/>
-                                          </p:val>
-                                        </p:tav>
-                                        <p:tav tm="100000">
-                                          <p:val>
-                                            <p:strVal val="#ppt_x"/>
-                                          </p:val>
-                                        </p:tav>
-                                      </p:tavLst>
-                                    </p:anim>
-                                    <p:anim calcmode="lin" valueType="num">
-                                      <p:cBhvr additive="base">
-                                        <p:cTn id="8" dur="500" fill="hold"/>
-                                        <p:tgtEl>
-                                          <p:spTgt spid="4"/>
-                                        </p:tgtEl>
-                                        <p:attrNameLst>
-                                          <p:attrName>ppt_y</p:attrName>
-                                        </p:attrNameLst>
-                                      </p:cBhvr>
-                                      <p:tavLst>
-                                        <p:tav tm="0">
-                                          <p:val>
-                                            <p:strVal val="1+#ppt_h/2"/>
-                                          </p:val>
-                                        </p:tav>
-                                        <p:tav tm="100000">
-                                          <p:val>
-                                            <p:strVal val="#ppt_y"/>
-                                          </p:val>
-                                        </p:tav>
-                                      </p:tavLst>
-                                    </p:anim>
-                                  </p:childTnLst>
-                                </p:cTn>
-                              </p:par>
-                            </p:childTnLst>
-                          </p:cTn>
-                        </p:par>
-                      </p:childTnLst>
-                    </p:cTn>
-                  </p:par>
-                  <p:par>
-                    <p:cTn id="9" fill="hold">
-                      <p:stCondLst>
-                        <p:cond delay="indefinite"/>
-                      </p:stCondLst>
-                      <p:childTnLst>
-                        <p:par>
-                          <p:cTn id="10" fill="hold">
-                            <p:stCondLst>
-                              <p:cond delay="0"/>
-                            </p:stCondLst>
-                            <p:childTnLst>
-                              <p:par>
-                                <p:cTn id="11" presetID="2" presetClass="entr" presetSubtype="4" fill="hold" grpId="0" nodeType="clickEffect">
-                                  <p:stCondLst>
-                                    <p:cond delay="0"/>
-                                  </p:stCondLst>
-                                  <p:childTnLst>
-                                    <p:set>
-                                      <p:cBhvr>
-                                        <p:cTn id="12" dur="1" fill="hold">
-                                          <p:stCondLst>
-                                            <p:cond delay="0"/>
-                                          </p:stCondLst>
-                                        </p:cTn>
-                                        <p:tgtEl>
-                                          <p:spTgt spid="5"/>
-                                        </p:tgtEl>
-                                        <p:attrNameLst>
-                                          <p:attrName>style.visibility</p:attrName>
-                                        </p:attrNameLst>
-                                      </p:cBhvr>
-                                      <p:to>
-                                        <p:strVal val="visible"/>
-                                      </p:to>
-                                    </p:set>
-                                    <p:anim calcmode="lin" valueType="num">
-                                      <p:cBhvr additive="base">
-                                        <p:cTn id="13" dur="500" fill="hold"/>
-                                        <p:tgtEl>
-                                          <p:spTgt spid="5"/>
-                                        </p:tgtEl>
-                                        <p:attrNameLst>
-                                          <p:attrName>ppt_x</p:attrName>
-                                        </p:attrNameLst>
-                                      </p:cBhvr>
-                                      <p:tavLst>
-                                        <p:tav tm="0">
-                                          <p:val>
-                                            <p:strVal val="#ppt_x"/>
-                                          </p:val>
-                                        </p:tav>
-                                        <p:tav tm="100000">
-                                          <p:val>
-                                            <p:strVal val="#ppt_x"/>
-                                          </p:val>
-                                        </p:tav>
-                                      </p:tavLst>
-                                    </p:anim>
-                                    <p:anim calcmode="lin" valueType="num">
-                                      <p:cBhvr additive="base">
-                                        <p:cTn id="14" dur="500" fill="hold"/>
-                                        <p:tgtEl>
-                                          <p:spTgt spid="5"/>
-                                        </p:tgtEl>
-                                        <p:attrNameLst>
-                                          <p:attrName>ppt_y</p:attrName>
-                                        </p:attrNameLst>
-                                      </p:cBhvr>
-                                      <p:tavLst>
-                                        <p:tav tm="0">
-                                          <p:val>
-                                            <p:strVal val="1+#ppt_h/2"/>
-                                          </p:val>
-                                        </p:tav>
-                                        <p:tav tm="100000">
-                                          <p:val>
-                                            <p:strVal val="#ppt_y"/>
-                                          </p:val>
-                                        </p:tav>
-                                      </p:tavLst>
-                                    </p:anim>
-                                  </p:childTnLst>
-                                </p:cTn>
-                              </p:par>
-                            </p:childTnLst>
-                          </p:cTn>
-                        </p:par>
-                      </p:childTnLst>
-                    </p:cTn>
-                  </p:par>
-                  <p:par>
-                    <p:cTn id="15" fill="hold">
-                      <p:stCondLst>
-                        <p:cond delay="indefinite"/>
-                      </p:stCondLst>
-                      <p:childTnLst>
-                        <p:par>
-                          <p:cTn id="16" fill="hold">
-                            <p:stCondLst>
-                              <p:cond delay="0"/>
-                            </p:stCondLst>
-                            <p:childTnLst>
-                              <p:par>
-                                <p:cTn id="17" presetID="2" presetClass="entr" presetSubtype="4" fill="hold" grpId="0" nodeType="clickEffect">
-                                  <p:stCondLst>
-                                    <p:cond delay="0"/>
-                                  </p:stCondLst>
-                                  <p:childTnLst>
-                                    <p:set>
-                                      <p:cBhvr>
-                                        <p:cTn id="18" dur="1" fill="hold">
-                                          <p:stCondLst>
-                                            <p:cond delay="0"/>
-                                          </p:stCondLst>
-                                        </p:cTn>
-                                        <p:tgtEl>
-                                          <p:spTgt spid="6"/>
-                                        </p:tgtEl>
-                                        <p:attrNameLst>
-                                          <p:attrName>style.visibility</p:attrName>
-                                        </p:attrNameLst>
-                                      </p:cBhvr>
-                                      <p:to>
-                                        <p:strVal val="visible"/>
-                                      </p:to>
-                                    </p:set>
-                                    <p:anim calcmode="lin" valueType="num">
-                                      <p:cBhvr additive="base">
-                                        <p:cTn id="19" dur="500" fill="hold"/>
-                                        <p:tgtEl>
-                                          <p:spTgt spid="6"/>
-                                        </p:tgtEl>
-                                        <p:attrNameLst>
-                                          <p:attrName>ppt_x</p:attrName>
-                                        </p:attrNameLst>
-                                      </p:cBhvr>
-                                      <p:tavLst>
-                                        <p:tav tm="0">
-                                          <p:val>
-                                            <p:strVal val="#ppt_x"/>
-                                          </p:val>
-                                        </p:tav>
-                                        <p:tav tm="100000">
-                                          <p:val>
-                                            <p:strVal val="#ppt_x"/>
-                                          </p:val>
-                                        </p:tav>
-                                      </p:tavLst>
-                                    </p:anim>
-                                    <p:anim calcmode="lin" valueType="num">
-                                      <p:cBhvr additive="base">
-                                        <p:cTn id="20" dur="500" fill="hold"/>
-                                        <p:tgtEl>
-                                          <p:spTgt spid="6"/>
-                                        </p:tgtEl>
-                                        <p:attrNameLst>
-                                          <p:attrName>ppt_y</p:attrName>
-                                        </p:attrNameLst>
-                                      </p:cBhvr>
-                                      <p:tavLst>
-                                        <p:tav tm="0">
-                                          <p:val>
-                                            <p:strVal val="1+#ppt_h/2"/>
-                                          </p:val>
-                                        </p:tav>
-                                        <p:tav tm="100000">
-                                          <p:val>
-                                            <p:strVal val="#ppt_y"/>
-                                          </p:val>
-                                        </p:tav>
-                                      </p:tavLst>
-                                    </p:anim>
-                                  </p:childTnLst>
-                                </p:cTn>
-                              </p:par>
-                            </p:childTnLst>
-                          </p:cTn>
-                        </p:par>
-                      </p:childTnLst>
-                    </p:cTn>
-                  </p:par>
-                  <p:par>
-                    <p:cTn id="21" fill="hold">
-                      <p:stCondLst>
-                        <p:cond delay="indefinite"/>
-                      </p:stCondLst>
-                      <p:childTnLst>
-                        <p:par>
-                          <p:cTn id="22" fill="hold">
-                            <p:stCondLst>
-                              <p:cond delay="0"/>
-                            </p:stCondLst>
-                            <p:childTnLst>
-                              <p:par>
-                                <p:cTn id="23" presetID="1" presetClass="entr" presetSubtype="0" fill="hold" grpId="0" nodeType="clickEffect">
-                                  <p:stCondLst>
-                                    <p:cond delay="0"/>
-                                  </p:stCondLst>
-                                  <p:childTnLst>
-                                    <p:set>
-                                      <p:cBhvr>
-                                        <p:cTn id="24" dur="1" fill="hold">
-                                          <p:stCondLst>
-                                            <p:cond delay="0"/>
-                                          </p:stCondLst>
-                                        </p:cTn>
-                                        <p:tgtEl>
-                                          <p:spTgt spid="7"/>
-                                        </p:tgtEl>
-                                        <p:attrNameLst>
-                                          <p:attrName>style.visibility</p:attrName>
-                                        </p:attrNameLst>
-                                      </p:cBhvr>
-                                      <p:to>
-                                        <p:strVal val="visible"/>
-                                      </p:to>
-                                    </p:set>
-                                  </p:childTnLst>
-                                </p:cTn>
-                              </p:par>
-                            </p:childTnLst>
-                          </p:cTn>
-                        </p:par>
-                      </p:childTnLst>
-                    </p:cTn>
-                  </p:par>
-                </p:childTnLst>
-              </p:cTn>
-              <p:prevCondLst>
-                <p:cond evt="onPrev" delay="0">
-                  <p:tgtEl>
-                    <p:sldTgt/>
-                  </p:tgtEl>
-                </p:cond>
-              </p:prevCondLst>
-              <p:nextCondLst>
-                <p:cond evt="onNext" delay="0">
-                  <p:tgtEl>
-                    <p:sldTgt/>
-                  </p:tgtEl>
-                </p:cond>
-              </p:nextCondLst>
-            </p:seq>
-          </p:childTnLst>
-        </p:cTn>
-      </p:par>
-    </p:tnLst>
-    <p:bldLst>
-      <p:bldP spid="4" grpId="0"/>
-      <p:bldP spid="5" grpId="0"/>
-      <p:bldP spid="6" grpId="0"/>
-      <p:bldP spid="7" grpId="0"/>
-    </p:bldLst>
-  </p:timing>
 </p:sld>
 </file>
 
@@ -6551,7 +5938,7 @@
           <p:cNvPr id="2" name="Title 1">
             <a:extLst>
               <a:ext uri="{FF2B5EF4-FFF2-40B4-BE49-F238E27FC236}">
-                <a16:creationId xmlns:a16="http://schemas.microsoft.com/office/drawing/2014/main" id="{1060E958-AD16-FF60-07C8-DC3AD15157B6}"/>
+                <a16:creationId xmlns:a16="http://schemas.microsoft.com/office/drawing/2014/main" id="{0CDEBA8F-3DCA-19FF-6BAB-854CF523ADD8}"/>
               </a:ext>
             </a:extLst>
           </p:cNvPr>
@@ -6575,7 +5962,7 @@
                 <a:ea typeface="Calibri Light"/>
                 <a:cs typeface="Calibri Light"/>
               </a:rPr>
-              <a:t>Office Hours!!!!</a:t>
+              <a:t>Safety Trainings!!!</a:t>
             </a:r>
           </a:p>
         </p:txBody>
@@ -6585,7 +5972,7 @@
           <p:cNvPr id="3" name="Content Placeholder 2">
             <a:extLst>
               <a:ext uri="{FF2B5EF4-FFF2-40B4-BE49-F238E27FC236}">
-                <a16:creationId xmlns:a16="http://schemas.microsoft.com/office/drawing/2014/main" id="{F2A9AC90-4156-BE1F-A9E0-DBE77C045521}"/>
+                <a16:creationId xmlns:a16="http://schemas.microsoft.com/office/drawing/2014/main" id="{BC5A46F9-D3EC-C770-0465-57188BF6EA82}"/>
               </a:ext>
             </a:extLst>
           </p:cNvPr>
@@ -6603,67 +5990,15 @@
           </a:bodyPr>
           <a:lstStyle/>
           <a:p>
-            <a:pPr marL="0" indent="0">
+            <a:pPr marL="0" indent="0" algn="ctr">
               <a:buNone/>
             </a:pPr>
             <a:r>
-              <a:rPr lang="en-US" dirty="0">
+              <a:rPr lang="en-US" sz="9600" dirty="0">
                 <a:ea typeface="Calibri"/>
                 <a:cs typeface="Calibri"/>
               </a:rPr>
-              <a:t>Office hours will be held during the IEEE club general meeting timeslot which is.....</a:t>
-            </a:r>
-            <a:endParaRPr lang="en-US" dirty="0"/>
-          </a:p>
-          <a:p>
-            <a:pPr marL="0" indent="0" algn="ctr">
-              <a:buNone/>
-            </a:pPr>
-            <a:endParaRPr lang="en-US" dirty="0">
-              <a:ea typeface="Calibri"/>
-              <a:cs typeface="Calibri"/>
-            </a:endParaRPr>
-          </a:p>
-          <a:p>
-            <a:pPr marL="0" indent="0" algn="ctr">
-              <a:buNone/>
-            </a:pPr>
-            <a:r>
-              <a:rPr lang="en-US" b="1" u="sng" dirty="0">
-                <a:ea typeface="Calibri"/>
-                <a:cs typeface="Calibri"/>
-              </a:rPr>
-              <a:t>Tuesdays from 5PM --&gt; 6PM</a:t>
-            </a:r>
-          </a:p>
-          <a:p>
-            <a:pPr marL="0" indent="0" algn="ctr">
-              <a:buNone/>
-            </a:pPr>
-            <a:endParaRPr lang="en-US" b="1" dirty="0">
-              <a:ea typeface="Calibri"/>
-              <a:cs typeface="Calibri"/>
-            </a:endParaRPr>
-          </a:p>
-          <a:p>
-            <a:pPr marL="0" indent="0" algn="ctr">
-              <a:buNone/>
-            </a:pPr>
-            <a:endParaRPr lang="en-US" b="1" dirty="0">
-              <a:ea typeface="Calibri"/>
-              <a:cs typeface="Calibri"/>
-            </a:endParaRPr>
-          </a:p>
-          <a:p>
-            <a:pPr marL="0" indent="0">
-              <a:buNone/>
-            </a:pPr>
-            <a:r>
-              <a:rPr lang="en-US" dirty="0">
-                <a:ea typeface="Calibri"/>
-                <a:cs typeface="Calibri"/>
-              </a:rPr>
-              <a:t>They can also be scheduled with TAs outside of this time, shoot us an email and we can schedule something that work for you!!!</a:t>
+              <a:t>Has everybody signed the safety training sheet?</a:t>
             </a:r>
           </a:p>
         </p:txBody>
@@ -6671,7 +6006,7 @@
     </p:spTree>
     <p:extLst>
       <p:ext uri="{BB962C8B-B14F-4D97-AF65-F5344CB8AC3E}">
-        <p14:creationId xmlns:p14="http://schemas.microsoft.com/office/powerpoint/2010/main" val="1231273625"/>
+        <p14:creationId xmlns:p14="http://schemas.microsoft.com/office/powerpoint/2010/main" val="3854741289"/>
       </p:ext>
     </p:extLst>
   </p:cSld>
@@ -6703,7 +6038,7 @@
           <p:cNvPr id="2" name="Title 1">
             <a:extLst>
               <a:ext uri="{FF2B5EF4-FFF2-40B4-BE49-F238E27FC236}">
-                <a16:creationId xmlns:a16="http://schemas.microsoft.com/office/drawing/2014/main" id="{0CDEBA8F-3DCA-19FF-6BAB-854CF523ADD8}"/>
+                <a16:creationId xmlns:a16="http://schemas.microsoft.com/office/drawing/2014/main" id="{7AAA6ACD-3197-4A61-AD9C-9DC21A703A7C}"/>
               </a:ext>
             </a:extLst>
           </p:cNvPr>
@@ -6721,57 +6056,174 @@
           </a:bodyPr>
           <a:lstStyle/>
           <a:p>
-            <a:pPr algn="ctr"/>
-            <a:r>
-              <a:rPr lang="en-US" dirty="0">
-                <a:ea typeface="Calibri Light"/>
-                <a:cs typeface="Calibri Light"/>
+            <a:r>
+              <a:rPr lang="en-US" dirty="0"/>
+              <a:t>Parallel Vs. Series </a:t>
+            </a:r>
+          </a:p>
+        </p:txBody>
+      </p:sp>
+      <p:pic>
+        <p:nvPicPr>
+          <p:cNvPr id="3" name="Picture 2">
+            <a:extLst>
+              <a:ext uri="{FF2B5EF4-FFF2-40B4-BE49-F238E27FC236}">
+                <a16:creationId xmlns:a16="http://schemas.microsoft.com/office/drawing/2014/main" id="{14F2C67C-8D02-47E7-85EA-7E5146F1DFF7}"/>
+              </a:ext>
+            </a:extLst>
+          </p:cNvPr>
+          <p:cNvPicPr>
+            <a:picLocks noChangeAspect="1"/>
+          </p:cNvPicPr>
+          <p:nvPr/>
+        </p:nvPicPr>
+        <p:blipFill>
+          <a:blip r:embed="rId2"/>
+          <a:stretch>
+            <a:fillRect/>
+          </a:stretch>
+        </p:blipFill>
+        <p:spPr>
+          <a:xfrm>
+            <a:off x="1634314" y="2080824"/>
+            <a:ext cx="2872371" cy="1788246"/>
+          </a:xfrm>
+          <a:prstGeom prst="rect">
+            <a:avLst/>
+          </a:prstGeom>
+        </p:spPr>
+      </p:pic>
+      <p:pic>
+        <p:nvPicPr>
+          <p:cNvPr id="4" name="Picture 3">
+            <a:extLst>
+              <a:ext uri="{FF2B5EF4-FFF2-40B4-BE49-F238E27FC236}">
+                <a16:creationId xmlns:a16="http://schemas.microsoft.com/office/drawing/2014/main" id="{D5D27C18-97DD-491A-ABE8-8B1E97525DD4}"/>
+              </a:ext>
+            </a:extLst>
+          </p:cNvPr>
+          <p:cNvPicPr>
+            <a:picLocks noChangeAspect="1"/>
+          </p:cNvPicPr>
+          <p:nvPr/>
+        </p:nvPicPr>
+        <p:blipFill rotWithShape="1">
+          <a:blip r:embed="rId3"/>
+          <a:srcRect l="8142" t="9987" r="4616" b="4800"/>
+          <a:stretch/>
+        </p:blipFill>
+        <p:spPr>
+          <a:xfrm>
+            <a:off x="7361853" y="2080825"/>
+            <a:ext cx="2481376" cy="1788245"/>
+          </a:xfrm>
+          <a:prstGeom prst="rect">
+            <a:avLst/>
+          </a:prstGeom>
+        </p:spPr>
+      </p:pic>
+      <p:sp>
+        <p:nvSpPr>
+          <p:cNvPr id="5" name="TextBox 4">
+            <a:extLst>
+              <a:ext uri="{FF2B5EF4-FFF2-40B4-BE49-F238E27FC236}">
+                <a16:creationId xmlns:a16="http://schemas.microsoft.com/office/drawing/2014/main" id="{A45B62F8-C0E9-4899-A9C7-DA909E7F886F}"/>
+              </a:ext>
+            </a:extLst>
+          </p:cNvPr>
+          <p:cNvSpPr txBox="1"/>
+          <p:nvPr/>
+        </p:nvSpPr>
+        <p:spPr>
+          <a:xfrm>
+            <a:off x="1278294" y="3968723"/>
+            <a:ext cx="9246637" cy="461665"/>
+          </a:xfrm>
+          <a:prstGeom prst="rect">
+            <a:avLst/>
+          </a:prstGeom>
+          <a:noFill/>
+        </p:spPr>
+        <p:txBody>
+          <a:bodyPr wrap="square" rtlCol="0">
+            <a:spAutoFit/>
+          </a:bodyPr>
+          <a:lstStyle/>
+          <a:p>
+            <a:r>
+              <a:rPr lang="en-US" sz="2400" dirty="0">
+                <a:solidFill>
+                  <a:srgbClr val="2323FF"/>
+                </a:solidFill>
               </a:rPr>
-              <a:t>Safety Trainings!!!</a:t>
-            </a:r>
-          </a:p>
-        </p:txBody>
-      </p:sp>
-      <p:sp>
-        <p:nvSpPr>
-          <p:cNvPr id="3" name="Content Placeholder 2">
-            <a:extLst>
-              <a:ext uri="{FF2B5EF4-FFF2-40B4-BE49-F238E27FC236}">
-                <a16:creationId xmlns:a16="http://schemas.microsoft.com/office/drawing/2014/main" id="{BC5A46F9-D3EC-C770-0465-57188BF6EA82}"/>
-              </a:ext>
-            </a:extLst>
-          </p:cNvPr>
-          <p:cNvSpPr>
-            <a:spLocks noGrp="1"/>
-          </p:cNvSpPr>
-          <p:nvPr>
-            <p:ph idx="1"/>
-          </p:nvPr>
-        </p:nvSpPr>
-        <p:spPr/>
-        <p:txBody>
-          <a:bodyPr vert="horz" lIns="91440" tIns="45720" rIns="91440" bIns="45720" rtlCol="0" anchor="t">
-            <a:normAutofit/>
-          </a:bodyPr>
-          <a:lstStyle/>
-          <a:p>
-            <a:pPr marL="0" indent="0" algn="ctr">
-              <a:buNone/>
-            </a:pPr>
-            <a:r>
-              <a:rPr lang="en-US" sz="9600" dirty="0">
-                <a:ea typeface="Calibri"/>
-                <a:cs typeface="Calibri"/>
-              </a:rPr>
-              <a:t>Has everybody signed the safety training sheet?</a:t>
-            </a:r>
-          </a:p>
-        </p:txBody>
-      </p:sp>
+              <a:t>              Parallel											Series</a:t>
+            </a:r>
+          </a:p>
+        </p:txBody>
+      </p:sp>
+      <p:pic>
+        <p:nvPicPr>
+          <p:cNvPr id="6" name="Picture 5">
+            <a:extLst>
+              <a:ext uri="{FF2B5EF4-FFF2-40B4-BE49-F238E27FC236}">
+                <a16:creationId xmlns:a16="http://schemas.microsoft.com/office/drawing/2014/main" id="{AF5404F2-2F8A-411C-9C40-FBB66F82E63C}"/>
+              </a:ext>
+            </a:extLst>
+          </p:cNvPr>
+          <p:cNvPicPr>
+            <a:picLocks noChangeAspect="1"/>
+          </p:cNvPicPr>
+          <p:nvPr/>
+        </p:nvPicPr>
+        <p:blipFill rotWithShape="1">
+          <a:blip r:embed="rId4"/>
+          <a:srcRect t="11978"/>
+          <a:stretch/>
+        </p:blipFill>
+        <p:spPr>
+          <a:xfrm>
+            <a:off x="6421316" y="4430388"/>
+            <a:ext cx="4362450" cy="1098315"/>
+          </a:xfrm>
+          <a:prstGeom prst="rect">
+            <a:avLst/>
+          </a:prstGeom>
+        </p:spPr>
+      </p:pic>
+      <p:pic>
+        <p:nvPicPr>
+          <p:cNvPr id="7" name="Picture 6">
+            <a:extLst>
+              <a:ext uri="{FF2B5EF4-FFF2-40B4-BE49-F238E27FC236}">
+                <a16:creationId xmlns:a16="http://schemas.microsoft.com/office/drawing/2014/main" id="{D13362DA-2D8F-4695-A6DA-17000E61FFCD}"/>
+              </a:ext>
+            </a:extLst>
+          </p:cNvPr>
+          <p:cNvPicPr>
+            <a:picLocks noChangeAspect="1"/>
+          </p:cNvPicPr>
+          <p:nvPr/>
+        </p:nvPicPr>
+        <p:blipFill>
+          <a:blip r:embed="rId5"/>
+          <a:stretch>
+            <a:fillRect/>
+          </a:stretch>
+        </p:blipFill>
+        <p:spPr>
+          <a:xfrm>
+            <a:off x="1479824" y="4456910"/>
+            <a:ext cx="3181350" cy="1990725"/>
+          </a:xfrm>
+          <a:prstGeom prst="rect">
+            <a:avLst/>
+          </a:prstGeom>
+        </p:spPr>
+      </p:pic>
     </p:spTree>
     <p:extLst>
       <p:ext uri="{BB962C8B-B14F-4D97-AF65-F5344CB8AC3E}">
-        <p14:creationId xmlns:p14="http://schemas.microsoft.com/office/powerpoint/2010/main" val="3854741289"/>
+        <p14:creationId xmlns:p14="http://schemas.microsoft.com/office/powerpoint/2010/main" val="107204268"/>
       </p:ext>
     </p:extLst>
   </p:cSld>
@@ -6803,7 +6255,7 @@
           <p:cNvPr id="2" name="Title 1">
             <a:extLst>
               <a:ext uri="{FF2B5EF4-FFF2-40B4-BE49-F238E27FC236}">
-                <a16:creationId xmlns:a16="http://schemas.microsoft.com/office/drawing/2014/main" id="{7AAA6ACD-3197-4A61-AD9C-9DC21A703A7C}"/>
+                <a16:creationId xmlns:a16="http://schemas.microsoft.com/office/drawing/2014/main" id="{B8F8876A-9EC7-4259-8301-062AEB89F260}"/>
               </a:ext>
             </a:extLst>
           </p:cNvPr>
@@ -6822,77 +6274,183 @@
           <a:lstStyle/>
           <a:p>
             <a:r>
-              <a:rPr lang="en-US" dirty="0"/>
-              <a:t>Parallel Vs. Series </a:t>
+              <a:rPr lang="en-US" dirty="0">
+                <a:effectLst>
+                  <a:outerShdw blurRad="50800" dist="38100" dir="5400000" algn="t" rotWithShape="0">
+                    <a:prstClr val="black">
+                      <a:alpha val="40000"/>
+                    </a:prstClr>
+                  </a:outerShdw>
+                </a:effectLst>
+              </a:rPr>
+              <a:t>Gustav Kirchhoff</a:t>
             </a:r>
           </a:p>
         </p:txBody>
       </p:sp>
       <p:pic>
         <p:nvPicPr>
-          <p:cNvPr id="3" name="Picture 2">
-            <a:extLst>
-              <a:ext uri="{FF2B5EF4-FFF2-40B4-BE49-F238E27FC236}">
-                <a16:creationId xmlns:a16="http://schemas.microsoft.com/office/drawing/2014/main" id="{14F2C67C-8D02-47E7-85EA-7E5146F1DFF7}"/>
+          <p:cNvPr id="1026" name="Picture 2" descr="Gustav Robert Kirchhoff.jpg">
+            <a:extLst>
+              <a:ext uri="{FF2B5EF4-FFF2-40B4-BE49-F238E27FC236}">
+                <a16:creationId xmlns:a16="http://schemas.microsoft.com/office/drawing/2014/main" id="{68CD6F38-40CF-40E2-9ED7-870A49AF5CEA}"/>
               </a:ext>
             </a:extLst>
           </p:cNvPr>
           <p:cNvPicPr>
-            <a:picLocks noChangeAspect="1"/>
+            <a:picLocks noChangeAspect="1" noChangeArrowheads="1"/>
           </p:cNvPicPr>
           <p:nvPr/>
         </p:nvPicPr>
         <p:blipFill>
-          <a:blip r:embed="rId2"/>
+          <a:blip r:embed="rId2">
+            <a:extLst>
+              <a:ext uri="{28A0092B-C50C-407E-A947-70E740481C1C}">
+                <a14:useLocalDpi xmlns:a14="http://schemas.microsoft.com/office/drawing/2010/main" val="0"/>
+              </a:ext>
+            </a:extLst>
+          </a:blip>
+          <a:srcRect/>
           <a:stretch>
             <a:fillRect/>
           </a:stretch>
         </p:blipFill>
-        <p:spPr>
-          <a:xfrm>
-            <a:off x="1634314" y="2080824"/>
-            <a:ext cx="2872371" cy="1788246"/>
+        <p:spPr bwMode="auto">
+          <a:xfrm>
+            <a:off x="1315033" y="2282405"/>
+            <a:ext cx="2190750" cy="3095625"/>
           </a:xfrm>
           <a:prstGeom prst="rect">
             <a:avLst/>
           </a:prstGeom>
+          <a:noFill/>
+          <a:extLst>
+            <a:ext uri="{909E8E84-426E-40DD-AFC4-6F175D3DCCD1}">
+              <a14:hiddenFill xmlns:a14="http://schemas.microsoft.com/office/drawing/2010/main">
+                <a:solidFill>
+                  <a:srgbClr val="FFFFFF"/>
+                </a:solidFill>
+              </a14:hiddenFill>
+            </a:ext>
+          </a:extLst>
         </p:spPr>
       </p:pic>
-      <p:pic>
-        <p:nvPicPr>
-          <p:cNvPr id="4" name="Picture 3">
-            <a:extLst>
-              <a:ext uri="{FF2B5EF4-FFF2-40B4-BE49-F238E27FC236}">
-                <a16:creationId xmlns:a16="http://schemas.microsoft.com/office/drawing/2014/main" id="{D5D27C18-97DD-491A-ABE8-8B1E97525DD4}"/>
-              </a:ext>
-            </a:extLst>
-          </p:cNvPr>
-          <p:cNvPicPr>
-            <a:picLocks noChangeAspect="1"/>
-          </p:cNvPicPr>
+      <p:sp>
+        <p:nvSpPr>
+          <p:cNvPr id="3" name="TextBox 2">
+            <a:extLst>
+              <a:ext uri="{FF2B5EF4-FFF2-40B4-BE49-F238E27FC236}">
+                <a16:creationId xmlns:a16="http://schemas.microsoft.com/office/drawing/2014/main" id="{7379E19F-C178-4C27-B484-C0472C960680}"/>
+              </a:ext>
+            </a:extLst>
+          </p:cNvPr>
+          <p:cNvSpPr txBox="1"/>
           <p:nvPr/>
-        </p:nvPicPr>
-        <p:blipFill rotWithShape="1">
-          <a:blip r:embed="rId3"/>
-          <a:srcRect l="8142" t="9987" r="4616" b="4800"/>
-          <a:stretch/>
-        </p:blipFill>
-        <p:spPr>
-          <a:xfrm>
-            <a:off x="7361853" y="2080825"/>
-            <a:ext cx="2481376" cy="1788245"/>
+        </p:nvSpPr>
+        <p:spPr>
+          <a:xfrm>
+            <a:off x="856277" y="6481604"/>
+            <a:ext cx="8602355" cy="276999"/>
           </a:xfrm>
           <a:prstGeom prst="rect">
             <a:avLst/>
           </a:prstGeom>
-        </p:spPr>
-      </p:pic>
-      <p:sp>
-        <p:nvSpPr>
-          <p:cNvPr id="5" name="TextBox 4">
-            <a:extLst>
-              <a:ext uri="{FF2B5EF4-FFF2-40B4-BE49-F238E27FC236}">
-                <a16:creationId xmlns:a16="http://schemas.microsoft.com/office/drawing/2014/main" id="{A45B62F8-C0E9-4899-A9C7-DA909E7F886F}"/>
+          <a:noFill/>
+        </p:spPr>
+        <p:txBody>
+          <a:bodyPr wrap="square" lIns="91440" tIns="45720" rIns="91440" bIns="45720" rtlCol="0" anchor="t">
+            <a:spAutoFit/>
+          </a:bodyPr>
+          <a:lstStyle/>
+          <a:p>
+            <a:r>
+              <a:rPr lang="en-US" sz="1200" dirty="0">
+                <a:solidFill>
+                  <a:schemeClr val="bg1">
+                    <a:lumMod val="50000"/>
+                  </a:schemeClr>
+                </a:solidFill>
+              </a:rPr>
+              <a:t>So</a:t>
+            </a:r>
+            <a:r>
+              <a:rPr lang="en-US" sz="1200" dirty="0">
+                <a:solidFill>
+                  <a:srgbClr val="7F7FA4"/>
+                </a:solidFill>
+              </a:rPr>
+              <a:t>urce</a:t>
+            </a:r>
+            <a:r>
+              <a:rPr lang="en-US" sz="1200" dirty="0">
+                <a:solidFill>
+                  <a:schemeClr val="bg1">
+                    <a:lumMod val="50000"/>
+                  </a:schemeClr>
+                </a:solidFill>
+              </a:rPr>
+              <a:t>: </a:t>
+            </a:r>
+            <a:r>
+              <a:rPr lang="en-US" sz="1200" dirty="0">
+                <a:solidFill>
+                  <a:schemeClr val="bg1">
+                    <a:lumMod val="50000"/>
+                  </a:schemeClr>
+                </a:solidFill>
+                <a:hlinkClick r:id="rId3">
+                  <a:extLst>
+                    <a:ext uri="{A12FA001-AC4F-418D-AE19-62706E023703}">
+                      <ahyp:hlinkClr xmlns:ahyp="http://schemas.microsoft.com/office/drawing/2018/hyperlinkcolor" val="tx"/>
+                    </a:ext>
+                  </a:extLst>
+                </a:hlinkClick>
+              </a:rPr>
+              <a:t>https://en.wikipedia.org/wiki/Gustav_Kirchhoff</a:t>
+            </a:r>
+            <a:r>
+              <a:rPr lang="en-US" sz="1200" dirty="0">
+                <a:solidFill>
+                  <a:schemeClr val="bg1">
+                    <a:lumMod val="50000"/>
+                  </a:schemeClr>
+                </a:solidFill>
+              </a:rPr>
+              <a:t>   </a:t>
+            </a:r>
+            <a:r>
+              <a:rPr lang="en-US" sz="1200" dirty="0">
+                <a:solidFill>
+                  <a:schemeClr val="bg1">
+                    <a:lumMod val="50000"/>
+                  </a:schemeClr>
+                </a:solidFill>
+                <a:hlinkClick r:id="rId4">
+                  <a:extLst>
+                    <a:ext uri="{A12FA001-AC4F-418D-AE19-62706E023703}">
+                      <ahyp:hlinkClr xmlns:ahyp="http://schemas.microsoft.com/office/drawing/2018/hyperlinkcolor" val="tx"/>
+                    </a:ext>
+                  </a:extLst>
+                </a:hlinkClick>
+              </a:rPr>
+              <a:t>https://www.britannica.com/biography/Gustav-Robert-Kirchhoff</a:t>
+            </a:r>
+            <a:endParaRPr lang="en-US" sz="1200" dirty="0">
+              <a:solidFill>
+                <a:schemeClr val="bg1">
+                  <a:lumMod val="50000"/>
+                </a:schemeClr>
+              </a:solidFill>
+            </a:endParaRPr>
+          </a:p>
+        </p:txBody>
+      </p:sp>
+      <p:sp>
+        <p:nvSpPr>
+          <p:cNvPr id="4" name="TextBox 3">
+            <a:extLst>
+              <a:ext uri="{FF2B5EF4-FFF2-40B4-BE49-F238E27FC236}">
+                <a16:creationId xmlns:a16="http://schemas.microsoft.com/office/drawing/2014/main" id="{A6EF3E43-B579-40BB-A704-5D9AEFFA53E6}"/>
               </a:ext>
             </a:extLst>
           </p:cNvPr>
@@ -6901,8 +6459,8 @@
         </p:nvSpPr>
         <p:spPr>
           <a:xfrm>
-            <a:off x="1278294" y="3968723"/>
-            <a:ext cx="9246637" cy="461665"/>
+            <a:off x="3834881" y="3089016"/>
+            <a:ext cx="6902126" cy="1200329"/>
           </a:xfrm>
           <a:prstGeom prst="rect">
             <a:avLst/>
@@ -6910,85 +6468,22 @@
           <a:noFill/>
         </p:spPr>
         <p:txBody>
-          <a:bodyPr wrap="square" rtlCol="0">
+          <a:bodyPr wrap="square" lIns="91440" tIns="45720" rIns="91440" bIns="45720" rtlCol="0" anchor="t">
             <a:spAutoFit/>
           </a:bodyPr>
           <a:lstStyle/>
           <a:p>
             <a:r>
-              <a:rPr lang="en-US" sz="2400" dirty="0">
-                <a:solidFill>
-                  <a:srgbClr val="2323FF"/>
-                </a:solidFill>
-              </a:rPr>
-              <a:t>              Parallel											Series</a:t>
-            </a:r>
-          </a:p>
-        </p:txBody>
-      </p:sp>
-      <p:pic>
-        <p:nvPicPr>
-          <p:cNvPr id="6" name="Picture 5">
-            <a:extLst>
-              <a:ext uri="{FF2B5EF4-FFF2-40B4-BE49-F238E27FC236}">
-                <a16:creationId xmlns:a16="http://schemas.microsoft.com/office/drawing/2014/main" id="{AF5404F2-2F8A-411C-9C40-FBB66F82E63C}"/>
-              </a:ext>
-            </a:extLst>
-          </p:cNvPr>
-          <p:cNvPicPr>
-            <a:picLocks noChangeAspect="1"/>
-          </p:cNvPicPr>
-          <p:nvPr/>
-        </p:nvPicPr>
-        <p:blipFill rotWithShape="1">
-          <a:blip r:embed="rId4"/>
-          <a:srcRect t="11978"/>
-          <a:stretch/>
-        </p:blipFill>
-        <p:spPr>
-          <a:xfrm>
-            <a:off x="6421316" y="4430388"/>
-            <a:ext cx="4362450" cy="1098315"/>
-          </a:xfrm>
-          <a:prstGeom prst="rect">
-            <a:avLst/>
-          </a:prstGeom>
-        </p:spPr>
-      </p:pic>
-      <p:pic>
-        <p:nvPicPr>
-          <p:cNvPr id="7" name="Picture 6">
-            <a:extLst>
-              <a:ext uri="{FF2B5EF4-FFF2-40B4-BE49-F238E27FC236}">
-                <a16:creationId xmlns:a16="http://schemas.microsoft.com/office/drawing/2014/main" id="{D13362DA-2D8F-4695-A6DA-17000E61FFCD}"/>
-              </a:ext>
-            </a:extLst>
-          </p:cNvPr>
-          <p:cNvPicPr>
-            <a:picLocks noChangeAspect="1"/>
-          </p:cNvPicPr>
-          <p:nvPr/>
-        </p:nvPicPr>
-        <p:blipFill>
-          <a:blip r:embed="rId5"/>
-          <a:stretch>
-            <a:fillRect/>
-          </a:stretch>
-        </p:blipFill>
-        <p:spPr>
-          <a:xfrm>
-            <a:off x="1479824" y="4456910"/>
-            <a:ext cx="3181350" cy="1990725"/>
-          </a:xfrm>
-          <a:prstGeom prst="rect">
-            <a:avLst/>
-          </a:prstGeom>
-        </p:spPr>
-      </p:pic>
+              <a:rPr lang="en-US" dirty="0"/>
+              <a:t>Was a German physicist that made huge contributions to the study of electrical circuits and spectroscopy, along with other branches of physics. His circuit laws are very useful to Electrical Engineering and were originally presented as his doctoral dissertation in 1845. </a:t>
+            </a:r>
+          </a:p>
+        </p:txBody>
+      </p:sp>
     </p:spTree>
     <p:extLst>
       <p:ext uri="{BB962C8B-B14F-4D97-AF65-F5344CB8AC3E}">
-        <p14:creationId xmlns:p14="http://schemas.microsoft.com/office/powerpoint/2010/main" val="107204268"/>
+        <p14:creationId xmlns:p14="http://schemas.microsoft.com/office/powerpoint/2010/main" val="1511620751"/>
       </p:ext>
     </p:extLst>
   </p:cSld>
@@ -7020,7 +6515,7 @@
           <p:cNvPr id="2" name="Title 1">
             <a:extLst>
               <a:ext uri="{FF2B5EF4-FFF2-40B4-BE49-F238E27FC236}">
-                <a16:creationId xmlns:a16="http://schemas.microsoft.com/office/drawing/2014/main" id="{B8F8876A-9EC7-4259-8301-062AEB89F260}"/>
+                <a16:creationId xmlns:a16="http://schemas.microsoft.com/office/drawing/2014/main" id="{874538B3-013A-424B-8B95-645314D53D63}"/>
               </a:ext>
             </a:extLst>
           </p:cNvPr>
@@ -7048,64 +6543,105 @@
                   </a:outerShdw>
                 </a:effectLst>
               </a:rPr>
-              <a:t>Gustav Kirchhoff</a:t>
-            </a:r>
+              <a:t>Kirchhoff’s Voltage Law (</a:t>
+            </a:r>
+            <a:r>
+              <a:rPr lang="en-US" dirty="0">
+                <a:solidFill>
+                  <a:srgbClr val="2323FF"/>
+                </a:solidFill>
+                <a:effectLst>
+                  <a:outerShdw blurRad="50800" dist="38100" dir="5400000" algn="t" rotWithShape="0">
+                    <a:prstClr val="black">
+                      <a:alpha val="40000"/>
+                    </a:prstClr>
+                  </a:outerShdw>
+                </a:effectLst>
+              </a:rPr>
+              <a:t>KVL</a:t>
+            </a:r>
+            <a:r>
+              <a:rPr lang="en-US" dirty="0">
+                <a:effectLst>
+                  <a:outerShdw blurRad="50800" dist="38100" dir="5400000" algn="t" rotWithShape="0">
+                    <a:prstClr val="black">
+                      <a:alpha val="40000"/>
+                    </a:prstClr>
+                  </a:outerShdw>
+                </a:effectLst>
+              </a:rPr>
+              <a:t>)</a:t>
+            </a:r>
+            <a:endParaRPr lang="en-US" dirty="0"/>
           </a:p>
         </p:txBody>
       </p:sp>
       <p:pic>
         <p:nvPicPr>
-          <p:cNvPr id="1026" name="Picture 2" descr="Gustav Robert Kirchhoff.jpg">
-            <a:extLst>
-              <a:ext uri="{FF2B5EF4-FFF2-40B4-BE49-F238E27FC236}">
-                <a16:creationId xmlns:a16="http://schemas.microsoft.com/office/drawing/2014/main" id="{68CD6F38-40CF-40E2-9ED7-870A49AF5CEA}"/>
+          <p:cNvPr id="3" name="Picture 2">
+            <a:extLst>
+              <a:ext uri="{FF2B5EF4-FFF2-40B4-BE49-F238E27FC236}">
+                <a16:creationId xmlns:a16="http://schemas.microsoft.com/office/drawing/2014/main" id="{61481222-CAB7-4535-8C09-EC3C8356767B}"/>
               </a:ext>
             </a:extLst>
           </p:cNvPr>
           <p:cNvPicPr>
-            <a:picLocks noChangeAspect="1" noChangeArrowheads="1"/>
+            <a:picLocks noChangeAspect="1"/>
           </p:cNvPicPr>
           <p:nvPr/>
         </p:nvPicPr>
         <p:blipFill>
-          <a:blip r:embed="rId2">
-            <a:extLst>
-              <a:ext uri="{28A0092B-C50C-407E-A947-70E740481C1C}">
-                <a14:useLocalDpi xmlns:a14="http://schemas.microsoft.com/office/drawing/2010/main" val="0"/>
-              </a:ext>
-            </a:extLst>
-          </a:blip>
-          <a:srcRect/>
+          <a:blip r:embed="rId2"/>
           <a:stretch>
             <a:fillRect/>
           </a:stretch>
         </p:blipFill>
-        <p:spPr bwMode="auto">
-          <a:xfrm>
-            <a:off x="1315033" y="2282405"/>
-            <a:ext cx="2190750" cy="3095625"/>
+        <p:spPr>
+          <a:xfrm>
+            <a:off x="826452" y="2311082"/>
+            <a:ext cx="4524375" cy="2886075"/>
           </a:xfrm>
           <a:prstGeom prst="rect">
             <a:avLst/>
           </a:prstGeom>
-          <a:noFill/>
-          <a:extLst>
-            <a:ext uri="{909E8E84-426E-40DD-AFC4-6F175D3DCCD1}">
-              <a14:hiddenFill xmlns:a14="http://schemas.microsoft.com/office/drawing/2010/main">
-                <a:solidFill>
-                  <a:srgbClr val="FFFFFF"/>
-                </a:solidFill>
-              </a14:hiddenFill>
-            </a:ext>
-          </a:extLst>
         </p:spPr>
       </p:pic>
-      <p:sp>
-        <p:nvSpPr>
-          <p:cNvPr id="3" name="TextBox 2">
-            <a:extLst>
-              <a:ext uri="{FF2B5EF4-FFF2-40B4-BE49-F238E27FC236}">
-                <a16:creationId xmlns:a16="http://schemas.microsoft.com/office/drawing/2014/main" id="{7379E19F-C178-4C27-B484-C0472C960680}"/>
+      <p:pic>
+        <p:nvPicPr>
+          <p:cNvPr id="4" name="Picture 3">
+            <a:extLst>
+              <a:ext uri="{FF2B5EF4-FFF2-40B4-BE49-F238E27FC236}">
+                <a16:creationId xmlns:a16="http://schemas.microsoft.com/office/drawing/2014/main" id="{2AC81F31-4CD9-4DB3-B390-FDC655AA7593}"/>
+              </a:ext>
+            </a:extLst>
+          </p:cNvPr>
+          <p:cNvPicPr>
+            <a:picLocks noChangeAspect="1"/>
+          </p:cNvPicPr>
+          <p:nvPr/>
+        </p:nvPicPr>
+        <p:blipFill>
+          <a:blip r:embed="rId3"/>
+          <a:stretch>
+            <a:fillRect/>
+          </a:stretch>
+        </p:blipFill>
+        <p:spPr>
+          <a:xfrm>
+            <a:off x="5996849" y="3616960"/>
+            <a:ext cx="4440962" cy="2610168"/>
+          </a:xfrm>
+          <a:prstGeom prst="rect">
+            <a:avLst/>
+          </a:prstGeom>
+        </p:spPr>
+      </p:pic>
+      <p:sp>
+        <p:nvSpPr>
+          <p:cNvPr id="5" name="TextBox 4">
+            <a:extLst>
+              <a:ext uri="{FF2B5EF4-FFF2-40B4-BE49-F238E27FC236}">
+                <a16:creationId xmlns:a16="http://schemas.microsoft.com/office/drawing/2014/main" id="{3AEA3CB9-F00F-407C-A13A-9A8CA99F0EF1}"/>
               </a:ext>
             </a:extLst>
           </p:cNvPr>
@@ -7114,6 +6650,101 @@
         </p:nvSpPr>
         <p:spPr>
           <a:xfrm>
+            <a:off x="5801360" y="1991360"/>
+            <a:ext cx="5246051" cy="1477328"/>
+          </a:xfrm>
+          <a:prstGeom prst="rect">
+            <a:avLst/>
+          </a:prstGeom>
+          <a:noFill/>
+        </p:spPr>
+        <p:txBody>
+          <a:bodyPr wrap="square" rtlCol="0">
+            <a:spAutoFit/>
+          </a:bodyPr>
+          <a:lstStyle/>
+          <a:p>
+            <a:r>
+              <a:rPr lang="en-US" dirty="0"/>
+              <a:t>The sum of all voltages within a closed loop must be equal to zero. The voltage change across a resistor is a voltage drop. The convention for labeling voltage drop can be seen in the equation below where V</a:t>
+            </a:r>
+            <a:r>
+              <a:rPr lang="en-US" sz="1100" dirty="0"/>
+              <a:t>AB </a:t>
+            </a:r>
+            <a:r>
+              <a:rPr lang="en-US" dirty="0"/>
+              <a:t>is equal to the voltage drop across the resistor circled in red.</a:t>
+            </a:r>
+          </a:p>
+        </p:txBody>
+      </p:sp>
+      <p:sp>
+        <p:nvSpPr>
+          <p:cNvPr id="6" name="Oval 5">
+            <a:extLst>
+              <a:ext uri="{FF2B5EF4-FFF2-40B4-BE49-F238E27FC236}">
+                <a16:creationId xmlns:a16="http://schemas.microsoft.com/office/drawing/2014/main" id="{6E46A137-1B91-4F83-A74B-607F5D1E5CDA}"/>
+              </a:ext>
+            </a:extLst>
+          </p:cNvPr>
+          <p:cNvSpPr/>
+          <p:nvPr/>
+        </p:nvSpPr>
+        <p:spPr>
+          <a:xfrm>
+            <a:off x="8727440" y="3784599"/>
+            <a:ext cx="1005840" cy="487680"/>
+          </a:xfrm>
+          <a:prstGeom prst="ellipse">
+            <a:avLst/>
+          </a:prstGeom>
+          <a:noFill/>
+          <a:ln>
+            <a:solidFill>
+              <a:srgbClr val="FF0000"/>
+            </a:solidFill>
+          </a:ln>
+        </p:spPr>
+        <p:style>
+          <a:lnRef idx="2">
+            <a:schemeClr val="accent1">
+              <a:shade val="50000"/>
+            </a:schemeClr>
+          </a:lnRef>
+          <a:fillRef idx="1">
+            <a:schemeClr val="accent1"/>
+          </a:fillRef>
+          <a:effectRef idx="0">
+            <a:schemeClr val="accent1"/>
+          </a:effectRef>
+          <a:fontRef idx="minor">
+            <a:schemeClr val="lt1"/>
+          </a:fontRef>
+        </p:style>
+        <p:txBody>
+          <a:bodyPr rtlCol="0" anchor="ctr"/>
+          <a:lstStyle/>
+          <a:p>
+            <a:pPr algn="ctr"/>
+            <a:endParaRPr lang="en-US"/>
+          </a:p>
+        </p:txBody>
+      </p:sp>
+      <p:sp>
+        <p:nvSpPr>
+          <p:cNvPr id="7" name="TextBox 6">
+            <a:extLst>
+              <a:ext uri="{FF2B5EF4-FFF2-40B4-BE49-F238E27FC236}">
+                <a16:creationId xmlns:a16="http://schemas.microsoft.com/office/drawing/2014/main" id="{485725D5-0761-40B4-9EC0-402EE0EB44DA}"/>
+              </a:ext>
+            </a:extLst>
+          </p:cNvPr>
+          <p:cNvSpPr txBox="1"/>
+          <p:nvPr/>
+        </p:nvSpPr>
+        <p:spPr>
+          <a:xfrm>
             <a:off x="856277" y="6481604"/>
             <a:ext cx="8602355" cy="276999"/>
           </a:xfrm>
@@ -7123,7 +6754,7 @@
           <a:noFill/>
         </p:spPr>
         <p:txBody>
-          <a:bodyPr wrap="square" lIns="91440" tIns="45720" rIns="91440" bIns="45720" rtlCol="0" anchor="t">
+          <a:bodyPr wrap="square" rtlCol="0">
             <a:spAutoFit/>
           </a:bodyPr>
           <a:lstStyle/>
@@ -7136,52 +6767,7 @@
                   </a:schemeClr>
                 </a:solidFill>
               </a:rPr>
-              <a:t>So</a:t>
-            </a:r>
-            <a:r>
-              <a:rPr lang="en-US" sz="1200" dirty="0">
-                <a:solidFill>
-                  <a:srgbClr val="7F7FA4"/>
-                </a:solidFill>
-              </a:rPr>
-              <a:t>urce</a:t>
-            </a:r>
-            <a:r>
-              <a:rPr lang="en-US" sz="1200" dirty="0">
-                <a:solidFill>
-                  <a:schemeClr val="bg1">
-                    <a:lumMod val="50000"/>
-                  </a:schemeClr>
-                </a:solidFill>
-              </a:rPr>
-              <a:t>: </a:t>
-            </a:r>
-            <a:r>
-              <a:rPr lang="en-US" sz="1200" dirty="0">
-                <a:solidFill>
-                  <a:schemeClr val="bg1">
-                    <a:lumMod val="50000"/>
-                  </a:schemeClr>
-                </a:solidFill>
-                <a:hlinkClick r:id="rId3">
-                  <a:extLst>
-                    <a:ext uri="{A12FA001-AC4F-418D-AE19-62706E023703}">
-                      <ahyp:hlinkClr xmlns:ahyp="http://schemas.microsoft.com/office/drawing/2018/hyperlinkcolor" val="tx"/>
-                    </a:ext>
-                  </a:extLst>
-                </a:hlinkClick>
-              </a:rPr>
-              <a:t>https://en.wikipedia.org/wiki/Gustav_Kirchhoff</a:t>
-            </a:r>
-            <a:r>
-              <a:rPr lang="en-US" sz="1200" dirty="0">
-                <a:solidFill>
-                  <a:schemeClr val="bg1">
-                    <a:lumMod val="50000"/>
-                  </a:schemeClr>
-                </a:solidFill>
-              </a:rPr>
-              <a:t>   </a:t>
+              <a:t>Source: </a:t>
             </a:r>
             <a:r>
               <a:rPr lang="en-US" sz="1200" dirty="0">
@@ -7198,7 +6784,7 @@
                   </a:extLst>
                 </a:hlinkClick>
               </a:rPr>
-              <a:t>https://www.britannica.com/biography/Gustav-Robert-Kirchhoff</a:t>
+              <a:t>https://www.electronics-tutorials.ws/dccircuits/dcp_4.html</a:t>
             </a:r>
             <a:endParaRPr lang="en-US" sz="1200" dirty="0">
               <a:solidFill>
@@ -7210,45 +6796,10 @@
           </a:p>
         </p:txBody>
       </p:sp>
-      <p:sp>
-        <p:nvSpPr>
-          <p:cNvPr id="4" name="TextBox 3">
-            <a:extLst>
-              <a:ext uri="{FF2B5EF4-FFF2-40B4-BE49-F238E27FC236}">
-                <a16:creationId xmlns:a16="http://schemas.microsoft.com/office/drawing/2014/main" id="{A6EF3E43-B579-40BB-A704-5D9AEFFA53E6}"/>
-              </a:ext>
-            </a:extLst>
-          </p:cNvPr>
-          <p:cNvSpPr txBox="1"/>
-          <p:nvPr/>
-        </p:nvSpPr>
-        <p:spPr>
-          <a:xfrm>
-            <a:off x="3834881" y="3089016"/>
-            <a:ext cx="6902126" cy="1200329"/>
-          </a:xfrm>
-          <a:prstGeom prst="rect">
-            <a:avLst/>
-          </a:prstGeom>
-          <a:noFill/>
-        </p:spPr>
-        <p:txBody>
-          <a:bodyPr wrap="square" lIns="91440" tIns="45720" rIns="91440" bIns="45720" rtlCol="0" anchor="t">
-            <a:spAutoFit/>
-          </a:bodyPr>
-          <a:lstStyle/>
-          <a:p>
-            <a:r>
-              <a:rPr lang="en-US" dirty="0"/>
-              <a:t>Was a German physicist that made huge contributions to the study of electrical circuits and spectroscopy, along with other branches of physics. His circuit laws are very useful to Electrical Engineering and were originally presented as his doctoral dissertation in 1845. </a:t>
-            </a:r>
-          </a:p>
-        </p:txBody>
-      </p:sp>
     </p:spTree>
     <p:extLst>
       <p:ext uri="{BB962C8B-B14F-4D97-AF65-F5344CB8AC3E}">
-        <p14:creationId xmlns:p14="http://schemas.microsoft.com/office/powerpoint/2010/main" val="1511620751"/>
+        <p14:creationId xmlns:p14="http://schemas.microsoft.com/office/powerpoint/2010/main" val="1210346126"/>
       </p:ext>
     </p:extLst>
   </p:cSld>
@@ -7280,7 +6831,7 @@
           <p:cNvPr id="2" name="Title 1">
             <a:extLst>
               <a:ext uri="{FF2B5EF4-FFF2-40B4-BE49-F238E27FC236}">
-                <a16:creationId xmlns:a16="http://schemas.microsoft.com/office/drawing/2014/main" id="{874538B3-013A-424B-8B95-645314D53D63}"/>
+                <a16:creationId xmlns:a16="http://schemas.microsoft.com/office/drawing/2014/main" id="{283ED162-4509-40FD-825C-AD7FEABE909D}"/>
               </a:ext>
             </a:extLst>
           </p:cNvPr>
@@ -7308,7 +6859,7 @@
                   </a:outerShdw>
                 </a:effectLst>
               </a:rPr>
-              <a:t>Kirchhoff’s Voltage Law (</a:t>
+              <a:t>Kirchhoff’s Current Law (</a:t>
             </a:r>
             <a:r>
               <a:rPr lang="en-US" dirty="0">
@@ -7323,7 +6874,7 @@
                   </a:outerShdw>
                 </a:effectLst>
               </a:rPr>
-              <a:t>KVL</a:t>
+              <a:t>KCL</a:t>
             </a:r>
             <a:r>
               <a:rPr lang="en-US" dirty="0">
@@ -7346,7 +6897,7 @@
           <p:cNvPr id="3" name="Picture 2">
             <a:extLst>
               <a:ext uri="{FF2B5EF4-FFF2-40B4-BE49-F238E27FC236}">
-                <a16:creationId xmlns:a16="http://schemas.microsoft.com/office/drawing/2014/main" id="{61481222-CAB7-4535-8C09-EC3C8356767B}"/>
+                <a16:creationId xmlns:a16="http://schemas.microsoft.com/office/drawing/2014/main" id="{03E37968-3259-4EAD-9F1F-AAA0226BDCAA}"/>
               </a:ext>
             </a:extLst>
           </p:cNvPr>
@@ -7363,8 +6914,8 @@
         </p:blipFill>
         <p:spPr>
           <a:xfrm>
-            <a:off x="826452" y="2311082"/>
-            <a:ext cx="4524375" cy="2886075"/>
+            <a:off x="5716905" y="3429000"/>
+            <a:ext cx="5086350" cy="2409825"/>
           </a:xfrm>
           <a:prstGeom prst="rect">
             <a:avLst/>
@@ -7376,7 +6927,7 @@
           <p:cNvPr id="4" name="Picture 3">
             <a:extLst>
               <a:ext uri="{FF2B5EF4-FFF2-40B4-BE49-F238E27FC236}">
-                <a16:creationId xmlns:a16="http://schemas.microsoft.com/office/drawing/2014/main" id="{2AC81F31-4CD9-4DB3-B390-FDC655AA7593}"/>
+                <a16:creationId xmlns:a16="http://schemas.microsoft.com/office/drawing/2014/main" id="{B8D3943C-94D7-449F-AC34-3F8088E022F9}"/>
               </a:ext>
             </a:extLst>
           </p:cNvPr>
@@ -7393,8 +6944,8 @@
         </p:blipFill>
         <p:spPr>
           <a:xfrm>
-            <a:off x="5996849" y="3616960"/>
-            <a:ext cx="4440962" cy="2610168"/>
+            <a:off x="826452" y="2311082"/>
+            <a:ext cx="4524375" cy="2886075"/>
           </a:xfrm>
           <a:prstGeom prst="rect">
             <a:avLst/>
@@ -7406,102 +6957,7 @@
           <p:cNvPr id="5" name="TextBox 4">
             <a:extLst>
               <a:ext uri="{FF2B5EF4-FFF2-40B4-BE49-F238E27FC236}">
-                <a16:creationId xmlns:a16="http://schemas.microsoft.com/office/drawing/2014/main" id="{3AEA3CB9-F00F-407C-A13A-9A8CA99F0EF1}"/>
-              </a:ext>
-            </a:extLst>
-          </p:cNvPr>
-          <p:cNvSpPr txBox="1"/>
-          <p:nvPr/>
-        </p:nvSpPr>
-        <p:spPr>
-          <a:xfrm>
-            <a:off x="5801360" y="1991360"/>
-            <a:ext cx="5246051" cy="1477328"/>
-          </a:xfrm>
-          <a:prstGeom prst="rect">
-            <a:avLst/>
-          </a:prstGeom>
-          <a:noFill/>
-        </p:spPr>
-        <p:txBody>
-          <a:bodyPr wrap="square" rtlCol="0">
-            <a:spAutoFit/>
-          </a:bodyPr>
-          <a:lstStyle/>
-          <a:p>
-            <a:r>
-              <a:rPr lang="en-US" dirty="0"/>
-              <a:t>The sum of all voltages within a closed loop must be equal to zero. The voltage change across a resistor is a voltage drop. The convention for labeling voltage drop can be seen in the equation below where V</a:t>
-            </a:r>
-            <a:r>
-              <a:rPr lang="en-US" sz="1100" dirty="0"/>
-              <a:t>AB </a:t>
-            </a:r>
-            <a:r>
-              <a:rPr lang="en-US" dirty="0"/>
-              <a:t>is equal to the voltage drop across the resistor circled in red.</a:t>
-            </a:r>
-          </a:p>
-        </p:txBody>
-      </p:sp>
-      <p:sp>
-        <p:nvSpPr>
-          <p:cNvPr id="6" name="Oval 5">
-            <a:extLst>
-              <a:ext uri="{FF2B5EF4-FFF2-40B4-BE49-F238E27FC236}">
-                <a16:creationId xmlns:a16="http://schemas.microsoft.com/office/drawing/2014/main" id="{6E46A137-1B91-4F83-A74B-607F5D1E5CDA}"/>
-              </a:ext>
-            </a:extLst>
-          </p:cNvPr>
-          <p:cNvSpPr/>
-          <p:nvPr/>
-        </p:nvSpPr>
-        <p:spPr>
-          <a:xfrm>
-            <a:off x="8727440" y="3784599"/>
-            <a:ext cx="1005840" cy="487680"/>
-          </a:xfrm>
-          <a:prstGeom prst="ellipse">
-            <a:avLst/>
-          </a:prstGeom>
-          <a:noFill/>
-          <a:ln>
-            <a:solidFill>
-              <a:srgbClr val="FF0000"/>
-            </a:solidFill>
-          </a:ln>
-        </p:spPr>
-        <p:style>
-          <a:lnRef idx="2">
-            <a:schemeClr val="accent1">
-              <a:shade val="50000"/>
-            </a:schemeClr>
-          </a:lnRef>
-          <a:fillRef idx="1">
-            <a:schemeClr val="accent1"/>
-          </a:fillRef>
-          <a:effectRef idx="0">
-            <a:schemeClr val="accent1"/>
-          </a:effectRef>
-          <a:fontRef idx="minor">
-            <a:schemeClr val="lt1"/>
-          </a:fontRef>
-        </p:style>
-        <p:txBody>
-          <a:bodyPr rtlCol="0" anchor="ctr"/>
-          <a:lstStyle/>
-          <a:p>
-            <a:pPr algn="ctr"/>
-            <a:endParaRPr lang="en-US"/>
-          </a:p>
-        </p:txBody>
-      </p:sp>
-      <p:sp>
-        <p:nvSpPr>
-          <p:cNvPr id="7" name="TextBox 6">
-            <a:extLst>
-              <a:ext uri="{FF2B5EF4-FFF2-40B4-BE49-F238E27FC236}">
-                <a16:creationId xmlns:a16="http://schemas.microsoft.com/office/drawing/2014/main" id="{485725D5-0761-40B4-9EC0-402EE0EB44DA}"/>
+                <a16:creationId xmlns:a16="http://schemas.microsoft.com/office/drawing/2014/main" id="{1A544A35-15A2-4E50-8994-2B1CE3C6E737}"/>
               </a:ext>
             </a:extLst>
           </p:cNvPr>
@@ -7561,10 +7017,73 @@
           </a:p>
         </p:txBody>
       </p:sp>
+      <p:sp>
+        <p:nvSpPr>
+          <p:cNvPr id="6" name="TextBox 5">
+            <a:extLst>
+              <a:ext uri="{FF2B5EF4-FFF2-40B4-BE49-F238E27FC236}">
+                <a16:creationId xmlns:a16="http://schemas.microsoft.com/office/drawing/2014/main" id="{00253AFD-4613-4609-9E88-73A703A01977}"/>
+              </a:ext>
+            </a:extLst>
+          </p:cNvPr>
+          <p:cNvSpPr txBox="1"/>
+          <p:nvPr/>
+        </p:nvSpPr>
+        <p:spPr>
+          <a:xfrm>
+            <a:off x="5716905" y="2001520"/>
+            <a:ext cx="4920615" cy="1231106"/>
+          </a:xfrm>
+          <a:prstGeom prst="rect">
+            <a:avLst/>
+          </a:prstGeom>
+          <a:noFill/>
+        </p:spPr>
+        <p:txBody>
+          <a:bodyPr wrap="square" rtlCol="0">
+            <a:spAutoFit/>
+          </a:bodyPr>
+          <a:lstStyle/>
+          <a:p>
+            <a:r>
+              <a:rPr lang="en-US" dirty="0"/>
+              <a:t>The total current entering a node is equal to the total current exiting a node. </a:t>
+            </a:r>
+          </a:p>
+          <a:p>
+            <a:r>
+              <a:rPr lang="en-US" dirty="0"/>
+              <a:t>                  </a:t>
+            </a:r>
+          </a:p>
+          <a:p>
+            <a:r>
+              <a:rPr lang="en-US" sz="2000" dirty="0"/>
+              <a:t>                  I</a:t>
+            </a:r>
+            <a:r>
+              <a:rPr lang="en-US" sz="2000" baseline="-25000" dirty="0"/>
+              <a:t>(entering)</a:t>
+            </a:r>
+            <a:r>
+              <a:rPr lang="en-US" sz="2000" dirty="0"/>
+              <a:t> - I</a:t>
+            </a:r>
+            <a:r>
+              <a:rPr lang="en-US" sz="2000" baseline="-25000" dirty="0"/>
+              <a:t>(exiting)</a:t>
+            </a:r>
+            <a:r>
+              <a:rPr lang="en-US" sz="2000" dirty="0"/>
+              <a:t> = 0</a:t>
+            </a:r>
+          </a:p>
+        </p:txBody>
+      </p:sp>
     </p:spTree>
     <p:extLst>
       <p:ext uri="{BB962C8B-B14F-4D97-AF65-F5344CB8AC3E}">
-        <p14:creationId xmlns:p14="http://schemas.microsoft.com/office/powerpoint/2010/main" val="1210346126"/>
+        <p14:creationId xmlns:p14="http://schemas.microsoft.com/office/powerpoint/2010/main" val="4151336881"/>
       </p:ext>
     </p:extLst>
   </p:cSld>
@@ -7596,7 +7115,7 @@
           <p:cNvPr id="2" name="Title 1">
             <a:extLst>
               <a:ext uri="{FF2B5EF4-FFF2-40B4-BE49-F238E27FC236}">
-                <a16:creationId xmlns:a16="http://schemas.microsoft.com/office/drawing/2014/main" id="{283ED162-4509-40FD-825C-AD7FEABE909D}"/>
+                <a16:creationId xmlns:a16="http://schemas.microsoft.com/office/drawing/2014/main" id="{564A593F-66B3-46CF-B135-1B79972A56DB}"/>
               </a:ext>
             </a:extLst>
           </p:cNvPr>
@@ -7615,54 +7134,18 @@
           <a:lstStyle/>
           <a:p>
             <a:r>
-              <a:rPr lang="en-US" dirty="0">
-                <a:effectLst>
-                  <a:outerShdw blurRad="50800" dist="38100" dir="5400000" algn="t" rotWithShape="0">
-                    <a:prstClr val="black">
-                      <a:alpha val="40000"/>
-                    </a:prstClr>
-                  </a:outerShdw>
-                </a:effectLst>
-              </a:rPr>
-              <a:t>Kirchhoff’s Current Law (</a:t>
-            </a:r>
-            <a:r>
-              <a:rPr lang="en-US" dirty="0">
-                <a:solidFill>
-                  <a:srgbClr val="2323FF"/>
-                </a:solidFill>
-                <a:effectLst>
-                  <a:outerShdw blurRad="50800" dist="38100" dir="5400000" algn="t" rotWithShape="0">
-                    <a:prstClr val="black">
-                      <a:alpha val="40000"/>
-                    </a:prstClr>
-                  </a:outerShdw>
-                </a:effectLst>
-              </a:rPr>
-              <a:t>KCL</a:t>
-            </a:r>
-            <a:r>
-              <a:rPr lang="en-US" dirty="0">
-                <a:effectLst>
-                  <a:outerShdw blurRad="50800" dist="38100" dir="5400000" algn="t" rotWithShape="0">
-                    <a:prstClr val="black">
-                      <a:alpha val="40000"/>
-                    </a:prstClr>
-                  </a:outerShdw>
-                </a:effectLst>
-              </a:rPr>
-              <a:t>)</a:t>
-            </a:r>
-            <a:endParaRPr lang="en-US" dirty="0"/>
+              <a:rPr lang="en-US" dirty="0"/>
+              <a:t>Measuring Current and voltage refresher </a:t>
+            </a:r>
           </a:p>
         </p:txBody>
       </p:sp>
       <p:pic>
         <p:nvPicPr>
-          <p:cNvPr id="3" name="Picture 2">
-            <a:extLst>
-              <a:ext uri="{FF2B5EF4-FFF2-40B4-BE49-F238E27FC236}">
-                <a16:creationId xmlns:a16="http://schemas.microsoft.com/office/drawing/2014/main" id="{03E37968-3259-4EAD-9F1F-AAA0226BDCAA}"/>
+          <p:cNvPr id="4" name="Picture 3">
+            <a:extLst>
+              <a:ext uri="{FF2B5EF4-FFF2-40B4-BE49-F238E27FC236}">
+                <a16:creationId xmlns:a16="http://schemas.microsoft.com/office/drawing/2014/main" id="{E0428AF2-F4BA-42C6-BD73-78DD09EDFB91}"/>
               </a:ext>
             </a:extLst>
           </p:cNvPr>
@@ -7671,16 +7154,21 @@
           </p:cNvPicPr>
           <p:nvPr/>
         </p:nvPicPr>
-        <p:blipFill>
-          <a:blip r:embed="rId2"/>
-          <a:stretch>
-            <a:fillRect/>
-          </a:stretch>
+        <p:blipFill rotWithShape="1">
+          <a:blip r:embed="rId2">
+            <a:extLst>
+              <a:ext uri="{28A0092B-C50C-407E-A947-70E740481C1C}">
+                <a14:useLocalDpi xmlns:a14="http://schemas.microsoft.com/office/drawing/2010/main" val="0"/>
+              </a:ext>
+            </a:extLst>
+          </a:blip>
+          <a:srcRect t="20409" r="44776" b="37551"/>
+          <a:stretch/>
         </p:blipFill>
         <p:spPr>
           <a:xfrm>
-            <a:off x="5716905" y="3429000"/>
-            <a:ext cx="5086350" cy="2409825"/>
+            <a:off x="8418986" y="1700646"/>
+            <a:ext cx="2923543" cy="4578397"/>
           </a:xfrm>
           <a:prstGeom prst="rect">
             <a:avLst/>
@@ -7689,10 +7177,10 @@
       </p:pic>
       <p:pic>
         <p:nvPicPr>
-          <p:cNvPr id="4" name="Picture 3">
-            <a:extLst>
-              <a:ext uri="{FF2B5EF4-FFF2-40B4-BE49-F238E27FC236}">
-                <a16:creationId xmlns:a16="http://schemas.microsoft.com/office/drawing/2014/main" id="{B8D3943C-94D7-449F-AC34-3F8088E022F9}"/>
+          <p:cNvPr id="6" name="Picture 5" descr="A circuit board&#10;&#10;Description automatically generated">
+            <a:extLst>
+              <a:ext uri="{FF2B5EF4-FFF2-40B4-BE49-F238E27FC236}">
+                <a16:creationId xmlns:a16="http://schemas.microsoft.com/office/drawing/2014/main" id="{1921B7B9-8432-4D07-82E0-2135F5531F23}"/>
               </a:ext>
             </a:extLst>
           </p:cNvPr>
@@ -7701,16 +7189,21 @@
           </p:cNvPicPr>
           <p:nvPr/>
         </p:nvPicPr>
-        <p:blipFill>
-          <a:blip r:embed="rId3"/>
-          <a:stretch>
-            <a:fillRect/>
-          </a:stretch>
+        <p:blipFill rotWithShape="1">
+          <a:blip r:embed="rId3">
+            <a:extLst>
+              <a:ext uri="{28A0092B-C50C-407E-A947-70E740481C1C}">
+                <a14:useLocalDpi xmlns:a14="http://schemas.microsoft.com/office/drawing/2010/main" val="0"/>
+              </a:ext>
+            </a:extLst>
+          </a:blip>
+          <a:srcRect l="52708" t="-2" r="14712" b="35848"/>
+          <a:stretch/>
         </p:blipFill>
         <p:spPr>
-          <a:xfrm>
-            <a:off x="826452" y="2311082"/>
-            <a:ext cx="4524375" cy="2886075"/>
+          <a:xfrm rot="16200000">
+            <a:off x="764454" y="1885921"/>
+            <a:ext cx="3825948" cy="3662264"/>
           </a:xfrm>
           <a:prstGeom prst="rect">
             <a:avLst/>
@@ -7719,10 +7212,10 @@
       </p:pic>
       <p:sp>
         <p:nvSpPr>
-          <p:cNvPr id="5" name="TextBox 4">
-            <a:extLst>
-              <a:ext uri="{FF2B5EF4-FFF2-40B4-BE49-F238E27FC236}">
-                <a16:creationId xmlns:a16="http://schemas.microsoft.com/office/drawing/2014/main" id="{1A544A35-15A2-4E50-8994-2B1CE3C6E737}"/>
+          <p:cNvPr id="7" name="TextBox 6">
+            <a:extLst>
+              <a:ext uri="{FF2B5EF4-FFF2-40B4-BE49-F238E27FC236}">
+                <a16:creationId xmlns:a16="http://schemas.microsoft.com/office/drawing/2014/main" id="{67E0DB7D-8529-4748-B61A-D6CF5FF69F57}"/>
               </a:ext>
             </a:extLst>
           </p:cNvPr>
@@ -7731,8 +7224,8 @@
         </p:nvSpPr>
         <p:spPr>
           <a:xfrm>
-            <a:off x="856277" y="6481604"/>
-            <a:ext cx="8602355" cy="276999"/>
+            <a:off x="6094412" y="4234525"/>
+            <a:ext cx="2647828" cy="646331"/>
           </a:xfrm>
           <a:prstGeom prst="rect">
             <a:avLst/>
@@ -7746,48 +7239,22 @@
           <a:lstStyle/>
           <a:p>
             <a:r>
-              <a:rPr lang="en-US" sz="1200" dirty="0">
+              <a:rPr lang="en-US" sz="3600" dirty="0">
                 <a:solidFill>
-                  <a:schemeClr val="bg1">
-                    <a:lumMod val="50000"/>
-                  </a:schemeClr>
+                  <a:srgbClr val="2323FF"/>
                 </a:solidFill>
               </a:rPr>
-              <a:t>Source: </a:t>
-            </a:r>
-            <a:r>
-              <a:rPr lang="en-US" sz="1200" dirty="0">
-                <a:solidFill>
-                  <a:schemeClr val="bg1">
-                    <a:lumMod val="50000"/>
-                  </a:schemeClr>
-                </a:solidFill>
-                <a:hlinkClick r:id="rId4">
-                  <a:extLst>
-                    <a:ext uri="{A12FA001-AC4F-418D-AE19-62706E023703}">
-                      <ahyp:hlinkClr xmlns:ahyp="http://schemas.microsoft.com/office/drawing/2018/hyperlinkcolor" val="tx"/>
-                    </a:ext>
-                  </a:extLst>
-                </a:hlinkClick>
-              </a:rPr>
-              <a:t>https://www.electronics-tutorials.ws/dccircuits/dcp_4.html</a:t>
-            </a:r>
-            <a:endParaRPr lang="en-US" sz="1200" dirty="0">
-              <a:solidFill>
-                <a:schemeClr val="bg1">
-                  <a:lumMod val="50000"/>
-                </a:schemeClr>
-              </a:solidFill>
-            </a:endParaRPr>
-          </a:p>
-        </p:txBody>
-      </p:sp>
-      <p:sp>
-        <p:nvSpPr>
-          <p:cNvPr id="6" name="TextBox 5">
-            <a:extLst>
-              <a:ext uri="{FF2B5EF4-FFF2-40B4-BE49-F238E27FC236}">
-                <a16:creationId xmlns:a16="http://schemas.microsoft.com/office/drawing/2014/main" id="{00253AFD-4613-4609-9E88-73A703A01977}"/>
+              <a:t>Current</a:t>
+            </a:r>
+          </a:p>
+        </p:txBody>
+      </p:sp>
+      <p:sp>
+        <p:nvSpPr>
+          <p:cNvPr id="8" name="TextBox 7">
+            <a:extLst>
+              <a:ext uri="{FF2B5EF4-FFF2-40B4-BE49-F238E27FC236}">
+                <a16:creationId xmlns:a16="http://schemas.microsoft.com/office/drawing/2014/main" id="{34041C71-EB6E-497D-B9CB-1DE138DE514F}"/>
               </a:ext>
             </a:extLst>
           </p:cNvPr>
@@ -7796,8 +7263,8 @@
         </p:nvSpPr>
         <p:spPr>
           <a:xfrm>
-            <a:off x="5716905" y="2001520"/>
-            <a:ext cx="4920615" cy="1231106"/>
+            <a:off x="5185079" y="1681323"/>
+            <a:ext cx="2647828" cy="646331"/>
           </a:xfrm>
           <a:prstGeom prst="rect">
             <a:avLst/>
@@ -7811,44 +7278,132 @@
           <a:lstStyle/>
           <a:p>
             <a:r>
+              <a:rPr lang="en-US" sz="3600" dirty="0">
+                <a:solidFill>
+                  <a:srgbClr val="2323FF"/>
+                </a:solidFill>
+              </a:rPr>
+              <a:t>Voltage</a:t>
+            </a:r>
+          </a:p>
+        </p:txBody>
+      </p:sp>
+      <p:sp>
+        <p:nvSpPr>
+          <p:cNvPr id="10" name="Arrow: Right 9">
+            <a:extLst>
+              <a:ext uri="{FF2B5EF4-FFF2-40B4-BE49-F238E27FC236}">
+                <a16:creationId xmlns:a16="http://schemas.microsoft.com/office/drawing/2014/main" id="{3472D927-4D46-4BDE-B3DE-F9A8BE361700}"/>
+              </a:ext>
+            </a:extLst>
+          </p:cNvPr>
+          <p:cNvSpPr/>
+          <p:nvPr/>
+        </p:nvSpPr>
+        <p:spPr>
+          <a:xfrm>
+            <a:off x="4786422" y="4234525"/>
+            <a:ext cx="3615308" cy="2265991"/>
+          </a:xfrm>
+          <a:prstGeom prst="rightArrow">
+            <a:avLst>
+              <a:gd name="adj1" fmla="val 50000"/>
+              <a:gd name="adj2" fmla="val 33972"/>
+            </a:avLst>
+          </a:prstGeom>
+        </p:spPr>
+        <p:style>
+          <a:lnRef idx="1">
+            <a:schemeClr val="accent4"/>
+          </a:lnRef>
+          <a:fillRef idx="2">
+            <a:schemeClr val="accent4"/>
+          </a:fillRef>
+          <a:effectRef idx="1">
+            <a:schemeClr val="accent4"/>
+          </a:effectRef>
+          <a:fontRef idx="minor">
+            <a:schemeClr val="dk1"/>
+          </a:fontRef>
+        </p:style>
+        <p:txBody>
+          <a:bodyPr lIns="91440" tIns="45720" rIns="91440" bIns="45720" rtlCol="0" anchor="ctr"/>
+          <a:lstStyle/>
+          <a:p>
+            <a:pPr algn="ctr"/>
+            <a:r>
+              <a:rPr lang="en-US" dirty="0">
+                <a:ea typeface="Calibri"/>
+                <a:cs typeface="Calibri"/>
+              </a:rPr>
+              <a:t>DMM probes in series with branch of interest</a:t>
+            </a:r>
+            <a:endParaRPr lang="en-US" dirty="0"/>
+          </a:p>
+        </p:txBody>
+      </p:sp>
+      <p:sp>
+        <p:nvSpPr>
+          <p:cNvPr id="11" name="Arrow: Right 10">
+            <a:extLst>
+              <a:ext uri="{FF2B5EF4-FFF2-40B4-BE49-F238E27FC236}">
+                <a16:creationId xmlns:a16="http://schemas.microsoft.com/office/drawing/2014/main" id="{5988C02B-D9A5-4C04-A623-59F4B5D920D5}"/>
+              </a:ext>
+            </a:extLst>
+          </p:cNvPr>
+          <p:cNvSpPr/>
+          <p:nvPr/>
+        </p:nvSpPr>
+        <p:spPr>
+          <a:xfrm flipH="1">
+            <a:off x="4508560" y="1729221"/>
+            <a:ext cx="3658840" cy="2265991"/>
+          </a:xfrm>
+          <a:prstGeom prst="rightArrow">
+            <a:avLst>
+              <a:gd name="adj1" fmla="val 50000"/>
+              <a:gd name="adj2" fmla="val 26561"/>
+            </a:avLst>
+          </a:prstGeom>
+        </p:spPr>
+        <p:style>
+          <a:lnRef idx="1">
+            <a:schemeClr val="accent4"/>
+          </a:lnRef>
+          <a:fillRef idx="2">
+            <a:schemeClr val="accent4"/>
+          </a:fillRef>
+          <a:effectRef idx="1">
+            <a:schemeClr val="accent4"/>
+          </a:effectRef>
+          <a:fontRef idx="minor">
+            <a:schemeClr val="dk1"/>
+          </a:fontRef>
+        </p:style>
+        <p:txBody>
+          <a:bodyPr lIns="91440" tIns="45720" rIns="91440" bIns="45720" rtlCol="0" anchor="ctr"/>
+          <a:lstStyle/>
+          <a:p>
+            <a:pPr algn="ctr"/>
+            <a:endParaRPr lang="en-US" dirty="0"/>
+          </a:p>
+          <a:p>
+            <a:pPr algn="ctr"/>
+            <a:r>
               <a:rPr lang="en-US" dirty="0"/>
-              <a:t>The total current entering a node is equal to the total current exiting a node. </a:t>
-            </a:r>
-          </a:p>
-          <a:p>
-            <a:r>
-              <a:rPr lang="en-US" dirty="0"/>
-              <a:t>                  </a:t>
-            </a:r>
-          </a:p>
-          <a:p>
-            <a:r>
-              <a:rPr lang="en-US" sz="2000" dirty="0"/>
-              <a:t>                  I</a:t>
-            </a:r>
-            <a:r>
-              <a:rPr lang="en-US" sz="2000" baseline="-25000" dirty="0"/>
-              <a:t>(entering)</a:t>
-            </a:r>
-            <a:r>
-              <a:rPr lang="en-US" sz="2000" dirty="0"/>
-              <a:t> - I</a:t>
-            </a:r>
-            <a:r>
-              <a:rPr lang="en-US" sz="2000" baseline="-25000" dirty="0"/>
-              <a:t>(exiting)</a:t>
-            </a:r>
-            <a:r>
-              <a:rPr lang="en-US" sz="2000" dirty="0"/>
-              <a:t> = 0</a:t>
-            </a:r>
+              <a:t>DMM probes in parallel with component(s) of interest</a:t>
+            </a:r>
+          </a:p>
+          <a:p>
+            <a:pPr algn="ctr"/>
+            <a:endParaRPr lang="en-US" dirty="0"/>
           </a:p>
         </p:txBody>
       </p:sp>
     </p:spTree>
     <p:extLst>
       <p:ext uri="{BB962C8B-B14F-4D97-AF65-F5344CB8AC3E}">
-        <p14:creationId xmlns:p14="http://schemas.microsoft.com/office/powerpoint/2010/main" val="4151336881"/>
+        <p14:creationId xmlns:p14="http://schemas.microsoft.com/office/powerpoint/2010/main" val="3311413786"/>
       </p:ext>
     </p:extLst>
   </p:cSld>
@@ -7861,6 +7416,14 @@
 <file path=ppt/slides/slide9.xml><?xml version="1.0" encoding="utf-8"?>
 <p:sld xmlns:a="http://schemas.openxmlformats.org/drawingml/2006/main" xmlns:r="http://schemas.openxmlformats.org/officeDocument/2006/relationships" xmlns:p="http://schemas.openxmlformats.org/presentationml/2006/main">
   <p:cSld>
+    <p:bg>
+      <p:bgPr>
+        <a:solidFill>
+          <a:schemeClr val="bg1"/>
+        </a:solidFill>
+        <a:effectLst/>
+      </p:bgPr>
+    </p:bg>
     <p:spTree>
       <p:nvGrpSpPr>
         <p:cNvPr id="1" name=""/>
@@ -7877,10 +7440,76 @@
       </p:grpSpPr>
       <p:sp>
         <p:nvSpPr>
+          <p:cNvPr id="8" name="Down Arrow 7">
+            <a:extLst>
+              <a:ext uri="{FF2B5EF4-FFF2-40B4-BE49-F238E27FC236}">
+                <a16:creationId xmlns:a16="http://schemas.microsoft.com/office/drawing/2014/main" id="{D4771268-CB57-404A-9271-370EB28F6090}"/>
+              </a:ext>
+              <a:ext uri="{C183D7F6-B498-43B3-948B-1728B52AA6E4}">
+                <adec:decorative xmlns:adec="http://schemas.microsoft.com/office/drawing/2017/decorative" val="1"/>
+              </a:ext>
+            </a:extLst>
+          </p:cNvPr>
+          <p:cNvSpPr>
+            <a:spLocks noGrp="1" noRot="1" noChangeAspect="1" noMove="1" noResize="1" noEditPoints="1" noAdjustHandles="1" noChangeArrowheads="1" noChangeShapeType="1" noTextEdit="1"/>
+          </p:cNvSpPr>
+          <p:nvPr>
+            <p:extLst>
+              <p:ext uri="{386F3935-93C4-4BCD-93E2-E3B085C9AB24}">
+                <p16:designElem xmlns:p16="http://schemas.microsoft.com/office/powerpoint/2015/main" val="1"/>
+              </p:ext>
+            </p:extLst>
+          </p:nvPr>
+        </p:nvSpPr>
+        <p:spPr>
+          <a:xfrm rot="16200000">
+            <a:off x="800100" y="1491343"/>
+            <a:ext cx="3333749" cy="3499103"/>
+          </a:xfrm>
+          <a:prstGeom prst="downArrow">
+            <a:avLst>
+              <a:gd name="adj1" fmla="val 100000"/>
+              <a:gd name="adj2" fmla="val 15788"/>
+            </a:avLst>
+          </a:prstGeom>
+          <a:solidFill>
+            <a:srgbClr val="404040"/>
+          </a:solidFill>
+          <a:ln w="53975">
+            <a:noFill/>
+          </a:ln>
+        </p:spPr>
+        <p:style>
+          <a:lnRef idx="2">
+            <a:schemeClr val="accent1">
+              <a:shade val="50000"/>
+            </a:schemeClr>
+          </a:lnRef>
+          <a:fillRef idx="1">
+            <a:schemeClr val="accent1"/>
+          </a:fillRef>
+          <a:effectRef idx="0">
+            <a:schemeClr val="accent1"/>
+          </a:effectRef>
+          <a:fontRef idx="minor">
+            <a:schemeClr val="lt1"/>
+          </a:fontRef>
+        </p:style>
+        <p:txBody>
+          <a:bodyPr rtlCol="0" anchor="ctr"/>
+          <a:lstStyle/>
+          <a:p>
+            <a:pPr algn="ctr"/>
+            <a:endParaRPr lang="en-US"/>
+          </a:p>
+        </p:txBody>
+      </p:sp>
+      <p:sp>
+        <p:nvSpPr>
           <p:cNvPr id="2" name="Title 1">
             <a:extLst>
               <a:ext uri="{FF2B5EF4-FFF2-40B4-BE49-F238E27FC236}">
-                <a16:creationId xmlns:a16="http://schemas.microsoft.com/office/drawing/2014/main" id="{564A593F-66B3-46CF-B135-1B79972A56DB}"/>
+                <a16:creationId xmlns:a16="http://schemas.microsoft.com/office/drawing/2014/main" id="{10E2635C-4C55-1896-2D33-A3624783423F}"/>
               </a:ext>
             </a:extLst>
           </p:cNvPr>
@@ -7891,26 +7520,39 @@
             <p:ph type="title"/>
           </p:nvPr>
         </p:nvSpPr>
-        <p:spPr/>
-        <p:txBody>
-          <a:bodyPr>
-            <a:normAutofit fontScale="90000"/>
+        <p:spPr>
+          <a:xfrm>
+            <a:off x="1028700" y="1967266"/>
+            <a:ext cx="2628900" cy="2547257"/>
+          </a:xfrm>
+          <a:noFill/>
+        </p:spPr>
+        <p:txBody>
+          <a:bodyPr anchor="ctr">
+            <a:normAutofit/>
           </a:bodyPr>
           <a:lstStyle/>
           <a:p>
-            <a:r>
-              <a:rPr lang="en-US" dirty="0"/>
-              <a:t>Measuring Current and voltage refresher </a:t>
+            <a:pPr algn="ctr"/>
+            <a:r>
+              <a:rPr lang="en-US" sz="3300" dirty="0">
+                <a:solidFill>
+                  <a:srgbClr val="FFFFFF"/>
+                </a:solidFill>
+                <a:ea typeface="Calibri Light"/>
+                <a:cs typeface="Calibri Light"/>
+              </a:rPr>
+              <a:t>Grab components!!</a:t>
             </a:r>
           </a:p>
         </p:txBody>
       </p:sp>
       <p:pic>
         <p:nvPicPr>
-          <p:cNvPr id="4" name="Picture 3">
-            <a:extLst>
-              <a:ext uri="{FF2B5EF4-FFF2-40B4-BE49-F238E27FC236}">
-                <a16:creationId xmlns:a16="http://schemas.microsoft.com/office/drawing/2014/main" id="{E0428AF2-F4BA-42C6-BD73-78DD09EDFB91}"/>
+          <p:cNvPr id="3" name="Picture 2" descr="A white sheet with black text and black dots&#10;&#10;AI-generated content may be incorrect.">
+            <a:extLst>
+              <a:ext uri="{FF2B5EF4-FFF2-40B4-BE49-F238E27FC236}">
+                <a16:creationId xmlns:a16="http://schemas.microsoft.com/office/drawing/2014/main" id="{C04A6673-5DF4-82E2-9EB5-ADAF451A9E0D}"/>
               </a:ext>
             </a:extLst>
           </p:cNvPr>
@@ -7919,256 +7561,25 @@
           </p:cNvPicPr>
           <p:nvPr/>
         </p:nvPicPr>
-        <p:blipFill rotWithShape="1">
-          <a:blip r:embed="rId2">
-            <a:extLst>
-              <a:ext uri="{28A0092B-C50C-407E-A947-70E740481C1C}">
-                <a14:useLocalDpi xmlns:a14="http://schemas.microsoft.com/office/drawing/2010/main" val="0"/>
-              </a:ext>
-            </a:extLst>
-          </a:blip>
-          <a:srcRect t="20409" r="44776" b="37551"/>
+        <p:blipFill>
+          <a:blip r:embed="rId2"/>
+          <a:srcRect b="1762"/>
           <a:stretch/>
         </p:blipFill>
         <p:spPr>
           <a:xfrm>
-            <a:off x="8418986" y="1700646"/>
-            <a:ext cx="2923543" cy="4578397"/>
+            <a:off x="6681658" y="1351037"/>
+            <a:ext cx="3853759" cy="4861062"/>
           </a:xfrm>
           <a:prstGeom prst="rect">
             <a:avLst/>
           </a:prstGeom>
         </p:spPr>
       </p:pic>
-      <p:pic>
-        <p:nvPicPr>
-          <p:cNvPr id="6" name="Picture 5" descr="A circuit board&#10;&#10;Description automatically generated">
-            <a:extLst>
-              <a:ext uri="{FF2B5EF4-FFF2-40B4-BE49-F238E27FC236}">
-                <a16:creationId xmlns:a16="http://schemas.microsoft.com/office/drawing/2014/main" id="{1921B7B9-8432-4D07-82E0-2135F5531F23}"/>
-              </a:ext>
-            </a:extLst>
-          </p:cNvPr>
-          <p:cNvPicPr>
-            <a:picLocks noChangeAspect="1"/>
-          </p:cNvPicPr>
-          <p:nvPr/>
-        </p:nvPicPr>
-        <p:blipFill rotWithShape="1">
-          <a:blip r:embed="rId3">
-            <a:extLst>
-              <a:ext uri="{28A0092B-C50C-407E-A947-70E740481C1C}">
-                <a14:useLocalDpi xmlns:a14="http://schemas.microsoft.com/office/drawing/2010/main" val="0"/>
-              </a:ext>
-            </a:extLst>
-          </a:blip>
-          <a:srcRect l="52708" t="-2" r="14712" b="35848"/>
-          <a:stretch/>
-        </p:blipFill>
-        <p:spPr>
-          <a:xfrm rot="16200000">
-            <a:off x="764454" y="1885921"/>
-            <a:ext cx="3825948" cy="3662264"/>
-          </a:xfrm>
-          <a:prstGeom prst="rect">
-            <a:avLst/>
-          </a:prstGeom>
-        </p:spPr>
-      </p:pic>
-      <p:sp>
-        <p:nvSpPr>
-          <p:cNvPr id="7" name="TextBox 6">
-            <a:extLst>
-              <a:ext uri="{FF2B5EF4-FFF2-40B4-BE49-F238E27FC236}">
-                <a16:creationId xmlns:a16="http://schemas.microsoft.com/office/drawing/2014/main" id="{67E0DB7D-8529-4748-B61A-D6CF5FF69F57}"/>
-              </a:ext>
-            </a:extLst>
-          </p:cNvPr>
-          <p:cNvSpPr txBox="1"/>
-          <p:nvPr/>
-        </p:nvSpPr>
-        <p:spPr>
-          <a:xfrm>
-            <a:off x="6094412" y="4234525"/>
-            <a:ext cx="2647828" cy="646331"/>
-          </a:xfrm>
-          <a:prstGeom prst="rect">
-            <a:avLst/>
-          </a:prstGeom>
-          <a:noFill/>
-        </p:spPr>
-        <p:txBody>
-          <a:bodyPr wrap="square" rtlCol="0">
-            <a:spAutoFit/>
-          </a:bodyPr>
-          <a:lstStyle/>
-          <a:p>
-            <a:r>
-              <a:rPr lang="en-US" sz="3600" dirty="0">
-                <a:solidFill>
-                  <a:srgbClr val="2323FF"/>
-                </a:solidFill>
-              </a:rPr>
-              <a:t>Current</a:t>
-            </a:r>
-          </a:p>
-        </p:txBody>
-      </p:sp>
-      <p:sp>
-        <p:nvSpPr>
-          <p:cNvPr id="8" name="TextBox 7">
-            <a:extLst>
-              <a:ext uri="{FF2B5EF4-FFF2-40B4-BE49-F238E27FC236}">
-                <a16:creationId xmlns:a16="http://schemas.microsoft.com/office/drawing/2014/main" id="{34041C71-EB6E-497D-B9CB-1DE138DE514F}"/>
-              </a:ext>
-            </a:extLst>
-          </p:cNvPr>
-          <p:cNvSpPr txBox="1"/>
-          <p:nvPr/>
-        </p:nvSpPr>
-        <p:spPr>
-          <a:xfrm>
-            <a:off x="5185079" y="1681323"/>
-            <a:ext cx="2647828" cy="646331"/>
-          </a:xfrm>
-          <a:prstGeom prst="rect">
-            <a:avLst/>
-          </a:prstGeom>
-          <a:noFill/>
-        </p:spPr>
-        <p:txBody>
-          <a:bodyPr wrap="square" rtlCol="0">
-            <a:spAutoFit/>
-          </a:bodyPr>
-          <a:lstStyle/>
-          <a:p>
-            <a:r>
-              <a:rPr lang="en-US" sz="3600" dirty="0">
-                <a:solidFill>
-                  <a:srgbClr val="2323FF"/>
-                </a:solidFill>
-              </a:rPr>
-              <a:t>Voltage</a:t>
-            </a:r>
-          </a:p>
-        </p:txBody>
-      </p:sp>
-      <p:sp>
-        <p:nvSpPr>
-          <p:cNvPr id="10" name="Arrow: Right 9">
-            <a:extLst>
-              <a:ext uri="{FF2B5EF4-FFF2-40B4-BE49-F238E27FC236}">
-                <a16:creationId xmlns:a16="http://schemas.microsoft.com/office/drawing/2014/main" id="{3472D927-4D46-4BDE-B3DE-F9A8BE361700}"/>
-              </a:ext>
-            </a:extLst>
-          </p:cNvPr>
-          <p:cNvSpPr/>
-          <p:nvPr/>
-        </p:nvSpPr>
-        <p:spPr>
-          <a:xfrm>
-            <a:off x="4786422" y="4234525"/>
-            <a:ext cx="3615308" cy="2265991"/>
-          </a:xfrm>
-          <a:prstGeom prst="rightArrow">
-            <a:avLst>
-              <a:gd name="adj1" fmla="val 50000"/>
-              <a:gd name="adj2" fmla="val 33972"/>
-            </a:avLst>
-          </a:prstGeom>
-        </p:spPr>
-        <p:style>
-          <a:lnRef idx="1">
-            <a:schemeClr val="accent4"/>
-          </a:lnRef>
-          <a:fillRef idx="2">
-            <a:schemeClr val="accent4"/>
-          </a:fillRef>
-          <a:effectRef idx="1">
-            <a:schemeClr val="accent4"/>
-          </a:effectRef>
-          <a:fontRef idx="minor">
-            <a:schemeClr val="dk1"/>
-          </a:fontRef>
-        </p:style>
-        <p:txBody>
-          <a:bodyPr lIns="91440" tIns="45720" rIns="91440" bIns="45720" rtlCol="0" anchor="ctr"/>
-          <a:lstStyle/>
-          <a:p>
-            <a:pPr algn="ctr"/>
-            <a:r>
-              <a:rPr lang="en-US" dirty="0">
-                <a:ea typeface="Calibri"/>
-                <a:cs typeface="Calibri"/>
-              </a:rPr>
-              <a:t>DMM probes in series with branch of interest</a:t>
-            </a:r>
-            <a:endParaRPr lang="en-US" dirty="0"/>
-          </a:p>
-        </p:txBody>
-      </p:sp>
-      <p:sp>
-        <p:nvSpPr>
-          <p:cNvPr id="11" name="Arrow: Right 10">
-            <a:extLst>
-              <a:ext uri="{FF2B5EF4-FFF2-40B4-BE49-F238E27FC236}">
-                <a16:creationId xmlns:a16="http://schemas.microsoft.com/office/drawing/2014/main" id="{5988C02B-D9A5-4C04-A623-59F4B5D920D5}"/>
-              </a:ext>
-            </a:extLst>
-          </p:cNvPr>
-          <p:cNvSpPr/>
-          <p:nvPr/>
-        </p:nvSpPr>
-        <p:spPr>
-          <a:xfrm flipH="1">
-            <a:off x="4508560" y="1729221"/>
-            <a:ext cx="3658840" cy="2265991"/>
-          </a:xfrm>
-          <a:prstGeom prst="rightArrow">
-            <a:avLst>
-              <a:gd name="adj1" fmla="val 50000"/>
-              <a:gd name="adj2" fmla="val 26561"/>
-            </a:avLst>
-          </a:prstGeom>
-        </p:spPr>
-        <p:style>
-          <a:lnRef idx="1">
-            <a:schemeClr val="accent4"/>
-          </a:lnRef>
-          <a:fillRef idx="2">
-            <a:schemeClr val="accent4"/>
-          </a:fillRef>
-          <a:effectRef idx="1">
-            <a:schemeClr val="accent4"/>
-          </a:effectRef>
-          <a:fontRef idx="minor">
-            <a:schemeClr val="dk1"/>
-          </a:fontRef>
-        </p:style>
-        <p:txBody>
-          <a:bodyPr lIns="91440" tIns="45720" rIns="91440" bIns="45720" rtlCol="0" anchor="ctr"/>
-          <a:lstStyle/>
-          <a:p>
-            <a:pPr algn="ctr"/>
-            <a:endParaRPr lang="en-US" dirty="0"/>
-          </a:p>
-          <a:p>
-            <a:pPr algn="ctr"/>
-            <a:r>
-              <a:rPr lang="en-US" dirty="0"/>
-              <a:t>DMM probes in parallel with component(s) of interest</a:t>
-            </a:r>
-          </a:p>
-          <a:p>
-            <a:pPr algn="ctr"/>
-            <a:endParaRPr lang="en-US" dirty="0"/>
-          </a:p>
-        </p:txBody>
-      </p:sp>
     </p:spTree>
     <p:extLst>
       <p:ext uri="{BB962C8B-B14F-4D97-AF65-F5344CB8AC3E}">
-        <p14:creationId xmlns:p14="http://schemas.microsoft.com/office/powerpoint/2010/main" val="3311413786"/>
+        <p14:creationId xmlns:p14="http://schemas.microsoft.com/office/powerpoint/2010/main" val="1978526775"/>
       </p:ext>
     </p:extLst>
   </p:cSld>
@@ -8769,6 +8180,12 @@
 </file>
 
 <file path=customXml/item1.xml><?xml version="1.0" encoding="utf-8"?>
+<p:properties xmlns:p="http://schemas.microsoft.com/office/2006/metadata/properties" xmlns:xsi="http://www.w3.org/2001/XMLSchema-instance" xmlns:pc="http://schemas.microsoft.com/office/infopath/2007/PartnerControls">
+  <documentManagement/>
+</p:properties>
+</file>
+
+<file path=customXml/item2.xml><?xml version="1.0" encoding="utf-8"?>
 <ct:contentTypeSchema xmlns:ct="http://schemas.microsoft.com/office/2006/metadata/contentType" xmlns:ma="http://schemas.microsoft.com/office/2006/metadata/properties/metaAttributes" ct:_="" ma:_="" ma:contentTypeName="Document" ma:contentTypeID="0x010100087E60007F5F154EB9D7F317BFC24F6B" ma:contentTypeVersion="4" ma:contentTypeDescription="Create a new document." ma:contentTypeScope="" ma:versionID="c6f048592318839260aa7b6a8fd2647d">
   <xsd:schema xmlns:xsd="http://www.w3.org/2001/XMLSchema" xmlns:xs="http://www.w3.org/2001/XMLSchema" xmlns:p="http://schemas.microsoft.com/office/2006/metadata/properties" xmlns:ns2="5a38b0bd-3a5a-4eba-b823-8b1cd5db2aa8" targetNamespace="http://schemas.microsoft.com/office/2006/metadata/properties" ma:root="true" ma:fieldsID="bf03fe19132a99e992e35dd9b3072052" ns2:_="">
     <xsd:import namespace="5a38b0bd-3a5a-4eba-b823-8b1cd5db2aa8"/>
@@ -8912,12 +8329,6 @@
 </ct:contentTypeSchema>
 </file>
 
-<file path=customXml/item2.xml><?xml version="1.0" encoding="utf-8"?>
-<p:properties xmlns:p="http://schemas.microsoft.com/office/2006/metadata/properties" xmlns:xsi="http://www.w3.org/2001/XMLSchema-instance" xmlns:pc="http://schemas.microsoft.com/office/infopath/2007/PartnerControls">
-  <documentManagement/>
-</p:properties>
-</file>
-
 <file path=customXml/item3.xml><?xml version="1.0" encoding="utf-8"?>
 <?mso-contentType ?>
 <FormTemplates xmlns="http://schemas.microsoft.com/sharepoint/v3/contenttype/forms">
@@ -8928,6 +8339,15 @@
 </file>
 
 <file path=customXml/itemProps1.xml><?xml version="1.0" encoding="utf-8"?>
+<ds:datastoreItem xmlns:ds="http://schemas.openxmlformats.org/officeDocument/2006/customXml" ds:itemID="{6AAA5544-ECBF-4FAB-BD39-AEBBC5F793F4}">
+  <ds:schemaRefs>
+    <ds:schemaRef ds:uri="http://schemas.microsoft.com/office/2006/metadata/properties"/>
+    <ds:schemaRef ds:uri="http://schemas.microsoft.com/office/infopath/2007/PartnerControls"/>
+  </ds:schemaRefs>
+</ds:datastoreItem>
+</file>
+
+<file path=customXml/itemProps2.xml><?xml version="1.0" encoding="utf-8"?>
 <ds:datastoreItem xmlns:ds="http://schemas.openxmlformats.org/officeDocument/2006/customXml" ds:itemID="{7762AC1B-3A7C-4A64-A5B9-5BE5981E5FC7}">
   <ds:schemaRefs>
     <ds:schemaRef ds:uri="http://schemas.microsoft.com/office/2006/metadata/contentType"/>
@@ -8945,15 +8365,6 @@
 </ds:datastoreItem>
 </file>
 
-<file path=customXml/itemProps2.xml><?xml version="1.0" encoding="utf-8"?>
-<ds:datastoreItem xmlns:ds="http://schemas.openxmlformats.org/officeDocument/2006/customXml" ds:itemID="{6AAA5544-ECBF-4FAB-BD39-AEBBC5F793F4}">
-  <ds:schemaRefs>
-    <ds:schemaRef ds:uri="http://schemas.microsoft.com/office/2006/metadata/properties"/>
-    <ds:schemaRef ds:uri="http://schemas.microsoft.com/office/infopath/2007/PartnerControls"/>
-  </ds:schemaRefs>
-</ds:datastoreItem>
-</file>
-
 <file path=customXml/itemProps3.xml><?xml version="1.0" encoding="utf-8"?>
 <ds:datastoreItem xmlns:ds="http://schemas.openxmlformats.org/officeDocument/2006/customXml" ds:itemID="{40A84613-7049-44D2-976E-F7C247146D7A}">
   <ds:schemaRefs>
